--- a/classes/Physics9ab/downloads/energy.pptx
+++ b/classes/Physics9ab/downloads/energy.pptx
@@ -15,6 +15,15 @@
     <p:sldId id="263" r:id="rId9"/>
     <p:sldId id="264" r:id="rId10"/>
     <p:sldId id="265" r:id="rId11"/>
+    <p:sldId id="266" r:id="rId12"/>
+    <p:sldId id="267" r:id="rId13"/>
+    <p:sldId id="268" r:id="rId14"/>
+    <p:sldId id="269" r:id="rId15"/>
+    <p:sldId id="270" r:id="rId16"/>
+    <p:sldId id="271" r:id="rId17"/>
+    <p:sldId id="272" r:id="rId18"/>
+    <p:sldId id="273" r:id="rId19"/>
+    <p:sldId id="274" r:id="rId20"/>
   </p:sldIdLst>
   <p:sldSz cx="12192000" cy="6858000"/>
   <p:notesSz cx="6858000" cy="9144000"/>
@@ -3115,7 +3124,7 @@
                           <a:rPr lang="en-US" b="0" i="1" smtClean="0">
                             <a:latin typeface="Cambria Math" panose="02040503050406030204" pitchFamily="18" charset="0"/>
                           </a:rPr>
-                          <m:t>𝑝</m:t>
+                          <m:t>𝑔𝑝</m:t>
                         </m:r>
                       </m:sub>
                     </m:sSub>
@@ -3138,7 +3147,15 @@
               <a:p>
                 <a:r>
                   <a:rPr lang="en-US" dirty="0" smtClean="0"/>
-                  <a:t>It is equal to the work that is done if we lift the object into the height of h meter from 0</a:t>
+                  <a:t>It is equal to the work that is done if we lift the object into the height of </a:t>
+                </a:r>
+                <a:r>
+                  <a:rPr lang="en-US" i="1" dirty="0" smtClean="0"/>
+                  <a:t>h</a:t>
+                </a:r>
+                <a:r>
+                  <a:rPr lang="en-US" dirty="0" smtClean="0"/>
+                  <a:t> meter from 0</a:t>
                 </a:r>
                 <a:r>
                   <a:rPr lang="en-US" dirty="0"/>
@@ -3479,6 +3496,4691 @@
             </p:seq>
           </p:childTnLst>
         </p:cTn>
+      </p:par>
+    </p:tnLst>
+  </p:timing>
+</p:sld>
+</file>
+
+<file path=ppt/slides/slide11.xml><?xml version="1.0" encoding="utf-8"?>
+<p:sld xmlns:a="http://schemas.openxmlformats.org/drawingml/2006/main" xmlns:r="http://schemas.openxmlformats.org/officeDocument/2006/relationships" xmlns:p="http://schemas.openxmlformats.org/presentationml/2006/main">
+  <p:cSld>
+    <p:spTree>
+      <p:nvGrpSpPr>
+        <p:cNvPr id="1" name=""/>
+        <p:cNvGrpSpPr/>
+        <p:nvPr/>
+      </p:nvGrpSpPr>
+      <p:grpSpPr>
+        <a:xfrm>
+          <a:off x="0" y="0"/>
+          <a:ext cx="0" cy="0"/>
+          <a:chOff x="0" y="0"/>
+          <a:chExt cx="0" cy="0"/>
+        </a:xfrm>
+      </p:grpSpPr>
+      <p:sp>
+        <p:nvSpPr>
+          <p:cNvPr id="2" name="Title 1"/>
+          <p:cNvSpPr>
+            <a:spLocks noGrp="1"/>
+          </p:cNvSpPr>
+          <p:nvPr>
+            <p:ph type="title"/>
+          </p:nvPr>
+        </p:nvSpPr>
+        <p:spPr/>
+        <p:txBody>
+          <a:bodyPr/>
+          <a:lstStyle/>
+          <a:p>
+            <a:r>
+              <a:rPr lang="en-US" dirty="0" smtClean="0"/>
+              <a:t>Problem 2.</a:t>
+            </a:r>
+            <a:endParaRPr lang="en-US" dirty="0"/>
+          </a:p>
+        </p:txBody>
+      </p:sp>
+      <p:sp>
+        <p:nvSpPr>
+          <p:cNvPr id="3" name="Content Placeholder 2"/>
+          <p:cNvSpPr>
+            <a:spLocks noGrp="1"/>
+          </p:cNvSpPr>
+          <p:nvPr>
+            <p:ph sz="half" idx="1"/>
+          </p:nvPr>
+        </p:nvSpPr>
+        <p:spPr/>
+        <p:txBody>
+          <a:bodyPr/>
+          <a:lstStyle/>
+          <a:p>
+            <a:r>
+              <a:rPr lang="en-US" dirty="0" smtClean="0"/>
+              <a:t>A 5 kg object is 45 m above the ground.</a:t>
+            </a:r>
+          </a:p>
+          <a:p>
+            <a:pPr lvl="1"/>
+            <a:r>
+              <a:rPr lang="en-US" dirty="0" smtClean="0"/>
+              <a:t>Find its gravitational potential energy.</a:t>
+            </a:r>
+          </a:p>
+          <a:p>
+            <a:r>
+              <a:rPr lang="en-US" dirty="0" smtClean="0"/>
+              <a:t>It starts to fall free. Find its gravitational potential energy in 1 s.</a:t>
+            </a:r>
+          </a:p>
+          <a:p>
+            <a:r>
+              <a:rPr lang="en-US" dirty="0" smtClean="0"/>
+              <a:t>Find its kinetic energy at this moment.</a:t>
+            </a:r>
+            <a:endParaRPr lang="en-US" dirty="0"/>
+          </a:p>
+        </p:txBody>
+      </p:sp>
+      <p:sp>
+        <p:nvSpPr>
+          <p:cNvPr id="4" name="Content Placeholder 3"/>
+          <p:cNvSpPr>
+            <a:spLocks noGrp="1"/>
+          </p:cNvSpPr>
+          <p:nvPr>
+            <p:ph sz="half" idx="2"/>
+          </p:nvPr>
+        </p:nvSpPr>
+        <p:spPr/>
+        <p:txBody>
+          <a:bodyPr/>
+          <a:lstStyle/>
+          <a:p>
+            <a:endParaRPr lang="en-US"/>
+          </a:p>
+        </p:txBody>
+      </p:sp>
+    </p:spTree>
+    <p:extLst>
+      <p:ext uri="{BB962C8B-B14F-4D97-AF65-F5344CB8AC3E}">
+        <p14:creationId xmlns:p14="http://schemas.microsoft.com/office/powerpoint/2010/main" val="3522778612"/>
+      </p:ext>
+    </p:extLst>
+  </p:cSld>
+  <p:clrMapOvr>
+    <a:masterClrMapping/>
+  </p:clrMapOvr>
+  <p:timing>
+    <p:tnLst>
+      <p:par>
+        <p:cTn id="1" dur="indefinite" restart="never" nodeType="tmRoot">
+          <p:childTnLst>
+            <p:seq concurrent="1" nextAc="seek">
+              <p:cTn id="2" dur="indefinite" nodeType="mainSeq">
+                <p:childTnLst>
+                  <p:par>
+                    <p:cTn id="3" fill="hold">
+                      <p:stCondLst>
+                        <p:cond delay="indefinite"/>
+                      </p:stCondLst>
+                      <p:childTnLst>
+                        <p:par>
+                          <p:cTn id="4" fill="hold">
+                            <p:stCondLst>
+                              <p:cond delay="0"/>
+                            </p:stCondLst>
+                            <p:childTnLst>
+                              <p:par>
+                                <p:cTn id="5" presetID="42" presetClass="entr" presetSubtype="0" fill="hold" nodeType="clickEffect">
+                                  <p:stCondLst>
+                                    <p:cond delay="0"/>
+                                  </p:stCondLst>
+                                  <p:childTnLst>
+                                    <p:set>
+                                      <p:cBhvr>
+                                        <p:cTn id="6" dur="1" fill="hold">
+                                          <p:stCondLst>
+                                            <p:cond delay="0"/>
+                                          </p:stCondLst>
+                                        </p:cTn>
+                                        <p:tgtEl>
+                                          <p:spTgt spid="3">
+                                            <p:txEl>
+                                              <p:pRg st="0" end="0"/>
+                                            </p:txEl>
+                                          </p:spTgt>
+                                        </p:tgtEl>
+                                        <p:attrNameLst>
+                                          <p:attrName>style.visibility</p:attrName>
+                                        </p:attrNameLst>
+                                      </p:cBhvr>
+                                      <p:to>
+                                        <p:strVal val="visible"/>
+                                      </p:to>
+                                    </p:set>
+                                    <p:animEffect transition="in" filter="fade">
+                                      <p:cBhvr>
+                                        <p:cTn id="7" dur="1000"/>
+                                        <p:tgtEl>
+                                          <p:spTgt spid="3">
+                                            <p:txEl>
+                                              <p:pRg st="0" end="0"/>
+                                            </p:txEl>
+                                          </p:spTgt>
+                                        </p:tgtEl>
+                                      </p:cBhvr>
+                                    </p:animEffect>
+                                    <p:anim calcmode="lin" valueType="num">
+                                      <p:cBhvr>
+                                        <p:cTn id="8" dur="1000" fill="hold"/>
+                                        <p:tgtEl>
+                                          <p:spTgt spid="3">
+                                            <p:txEl>
+                                              <p:pRg st="0" end="0"/>
+                                            </p:txEl>
+                                          </p:spTgt>
+                                        </p:tgtEl>
+                                        <p:attrNameLst>
+                                          <p:attrName>ppt_x</p:attrName>
+                                        </p:attrNameLst>
+                                      </p:cBhvr>
+                                      <p:tavLst>
+                                        <p:tav tm="0">
+                                          <p:val>
+                                            <p:strVal val="#ppt_x"/>
+                                          </p:val>
+                                        </p:tav>
+                                        <p:tav tm="100000">
+                                          <p:val>
+                                            <p:strVal val="#ppt_x"/>
+                                          </p:val>
+                                        </p:tav>
+                                      </p:tavLst>
+                                    </p:anim>
+                                    <p:anim calcmode="lin" valueType="num">
+                                      <p:cBhvr>
+                                        <p:cTn id="9" dur="1000" fill="hold"/>
+                                        <p:tgtEl>
+                                          <p:spTgt spid="3">
+                                            <p:txEl>
+                                              <p:pRg st="0" end="0"/>
+                                            </p:txEl>
+                                          </p:spTgt>
+                                        </p:tgtEl>
+                                        <p:attrNameLst>
+                                          <p:attrName>ppt_y</p:attrName>
+                                        </p:attrNameLst>
+                                      </p:cBhvr>
+                                      <p:tavLst>
+                                        <p:tav tm="0">
+                                          <p:val>
+                                            <p:strVal val="#ppt_y+.1"/>
+                                          </p:val>
+                                        </p:tav>
+                                        <p:tav tm="100000">
+                                          <p:val>
+                                            <p:strVal val="#ppt_y"/>
+                                          </p:val>
+                                        </p:tav>
+                                      </p:tavLst>
+                                    </p:anim>
+                                  </p:childTnLst>
+                                </p:cTn>
+                              </p:par>
+                              <p:par>
+                                <p:cTn id="10" presetID="42" presetClass="entr" presetSubtype="0" fill="hold" nodeType="withEffect">
+                                  <p:stCondLst>
+                                    <p:cond delay="0"/>
+                                  </p:stCondLst>
+                                  <p:childTnLst>
+                                    <p:set>
+                                      <p:cBhvr>
+                                        <p:cTn id="11" dur="1" fill="hold">
+                                          <p:stCondLst>
+                                            <p:cond delay="0"/>
+                                          </p:stCondLst>
+                                        </p:cTn>
+                                        <p:tgtEl>
+                                          <p:spTgt spid="3">
+                                            <p:txEl>
+                                              <p:pRg st="1" end="1"/>
+                                            </p:txEl>
+                                          </p:spTgt>
+                                        </p:tgtEl>
+                                        <p:attrNameLst>
+                                          <p:attrName>style.visibility</p:attrName>
+                                        </p:attrNameLst>
+                                      </p:cBhvr>
+                                      <p:to>
+                                        <p:strVal val="visible"/>
+                                      </p:to>
+                                    </p:set>
+                                    <p:animEffect transition="in" filter="fade">
+                                      <p:cBhvr>
+                                        <p:cTn id="12" dur="1000"/>
+                                        <p:tgtEl>
+                                          <p:spTgt spid="3">
+                                            <p:txEl>
+                                              <p:pRg st="1" end="1"/>
+                                            </p:txEl>
+                                          </p:spTgt>
+                                        </p:tgtEl>
+                                      </p:cBhvr>
+                                    </p:animEffect>
+                                    <p:anim calcmode="lin" valueType="num">
+                                      <p:cBhvr>
+                                        <p:cTn id="13" dur="1000" fill="hold"/>
+                                        <p:tgtEl>
+                                          <p:spTgt spid="3">
+                                            <p:txEl>
+                                              <p:pRg st="1" end="1"/>
+                                            </p:txEl>
+                                          </p:spTgt>
+                                        </p:tgtEl>
+                                        <p:attrNameLst>
+                                          <p:attrName>ppt_x</p:attrName>
+                                        </p:attrNameLst>
+                                      </p:cBhvr>
+                                      <p:tavLst>
+                                        <p:tav tm="0">
+                                          <p:val>
+                                            <p:strVal val="#ppt_x"/>
+                                          </p:val>
+                                        </p:tav>
+                                        <p:tav tm="100000">
+                                          <p:val>
+                                            <p:strVal val="#ppt_x"/>
+                                          </p:val>
+                                        </p:tav>
+                                      </p:tavLst>
+                                    </p:anim>
+                                    <p:anim calcmode="lin" valueType="num">
+                                      <p:cBhvr>
+                                        <p:cTn id="14" dur="1000" fill="hold"/>
+                                        <p:tgtEl>
+                                          <p:spTgt spid="3">
+                                            <p:txEl>
+                                              <p:pRg st="1" end="1"/>
+                                            </p:txEl>
+                                          </p:spTgt>
+                                        </p:tgtEl>
+                                        <p:attrNameLst>
+                                          <p:attrName>ppt_y</p:attrName>
+                                        </p:attrNameLst>
+                                      </p:cBhvr>
+                                      <p:tavLst>
+                                        <p:tav tm="0">
+                                          <p:val>
+                                            <p:strVal val="#ppt_y+.1"/>
+                                          </p:val>
+                                        </p:tav>
+                                        <p:tav tm="100000">
+                                          <p:val>
+                                            <p:strVal val="#ppt_y"/>
+                                          </p:val>
+                                        </p:tav>
+                                      </p:tavLst>
+                                    </p:anim>
+                                  </p:childTnLst>
+                                </p:cTn>
+                              </p:par>
+                            </p:childTnLst>
+                          </p:cTn>
+                        </p:par>
+                      </p:childTnLst>
+                    </p:cTn>
+                  </p:par>
+                  <p:par>
+                    <p:cTn id="15" fill="hold">
+                      <p:stCondLst>
+                        <p:cond delay="indefinite"/>
+                      </p:stCondLst>
+                      <p:childTnLst>
+                        <p:par>
+                          <p:cTn id="16" fill="hold">
+                            <p:stCondLst>
+                              <p:cond delay="0"/>
+                            </p:stCondLst>
+                            <p:childTnLst>
+                              <p:par>
+                                <p:cTn id="17" presetID="42" presetClass="entr" presetSubtype="0" fill="hold" nodeType="clickEffect">
+                                  <p:stCondLst>
+                                    <p:cond delay="0"/>
+                                  </p:stCondLst>
+                                  <p:childTnLst>
+                                    <p:set>
+                                      <p:cBhvr>
+                                        <p:cTn id="18" dur="1" fill="hold">
+                                          <p:stCondLst>
+                                            <p:cond delay="0"/>
+                                          </p:stCondLst>
+                                        </p:cTn>
+                                        <p:tgtEl>
+                                          <p:spTgt spid="3">
+                                            <p:txEl>
+                                              <p:pRg st="2" end="2"/>
+                                            </p:txEl>
+                                          </p:spTgt>
+                                        </p:tgtEl>
+                                        <p:attrNameLst>
+                                          <p:attrName>style.visibility</p:attrName>
+                                        </p:attrNameLst>
+                                      </p:cBhvr>
+                                      <p:to>
+                                        <p:strVal val="visible"/>
+                                      </p:to>
+                                    </p:set>
+                                    <p:animEffect transition="in" filter="fade">
+                                      <p:cBhvr>
+                                        <p:cTn id="19" dur="1000"/>
+                                        <p:tgtEl>
+                                          <p:spTgt spid="3">
+                                            <p:txEl>
+                                              <p:pRg st="2" end="2"/>
+                                            </p:txEl>
+                                          </p:spTgt>
+                                        </p:tgtEl>
+                                      </p:cBhvr>
+                                    </p:animEffect>
+                                    <p:anim calcmode="lin" valueType="num">
+                                      <p:cBhvr>
+                                        <p:cTn id="20" dur="1000" fill="hold"/>
+                                        <p:tgtEl>
+                                          <p:spTgt spid="3">
+                                            <p:txEl>
+                                              <p:pRg st="2" end="2"/>
+                                            </p:txEl>
+                                          </p:spTgt>
+                                        </p:tgtEl>
+                                        <p:attrNameLst>
+                                          <p:attrName>ppt_x</p:attrName>
+                                        </p:attrNameLst>
+                                      </p:cBhvr>
+                                      <p:tavLst>
+                                        <p:tav tm="0">
+                                          <p:val>
+                                            <p:strVal val="#ppt_x"/>
+                                          </p:val>
+                                        </p:tav>
+                                        <p:tav tm="100000">
+                                          <p:val>
+                                            <p:strVal val="#ppt_x"/>
+                                          </p:val>
+                                        </p:tav>
+                                      </p:tavLst>
+                                    </p:anim>
+                                    <p:anim calcmode="lin" valueType="num">
+                                      <p:cBhvr>
+                                        <p:cTn id="21" dur="1000" fill="hold"/>
+                                        <p:tgtEl>
+                                          <p:spTgt spid="3">
+                                            <p:txEl>
+                                              <p:pRg st="2" end="2"/>
+                                            </p:txEl>
+                                          </p:spTgt>
+                                        </p:tgtEl>
+                                        <p:attrNameLst>
+                                          <p:attrName>ppt_y</p:attrName>
+                                        </p:attrNameLst>
+                                      </p:cBhvr>
+                                      <p:tavLst>
+                                        <p:tav tm="0">
+                                          <p:val>
+                                            <p:strVal val="#ppt_y+.1"/>
+                                          </p:val>
+                                        </p:tav>
+                                        <p:tav tm="100000">
+                                          <p:val>
+                                            <p:strVal val="#ppt_y"/>
+                                          </p:val>
+                                        </p:tav>
+                                      </p:tavLst>
+                                    </p:anim>
+                                  </p:childTnLst>
+                                </p:cTn>
+                              </p:par>
+                            </p:childTnLst>
+                          </p:cTn>
+                        </p:par>
+                      </p:childTnLst>
+                    </p:cTn>
+                  </p:par>
+                  <p:par>
+                    <p:cTn id="22" fill="hold">
+                      <p:stCondLst>
+                        <p:cond delay="indefinite"/>
+                      </p:stCondLst>
+                      <p:childTnLst>
+                        <p:par>
+                          <p:cTn id="23" fill="hold">
+                            <p:stCondLst>
+                              <p:cond delay="0"/>
+                            </p:stCondLst>
+                            <p:childTnLst>
+                              <p:par>
+                                <p:cTn id="24" presetID="42" presetClass="entr" presetSubtype="0" fill="hold" nodeType="clickEffect">
+                                  <p:stCondLst>
+                                    <p:cond delay="0"/>
+                                  </p:stCondLst>
+                                  <p:childTnLst>
+                                    <p:set>
+                                      <p:cBhvr>
+                                        <p:cTn id="25" dur="1" fill="hold">
+                                          <p:stCondLst>
+                                            <p:cond delay="0"/>
+                                          </p:stCondLst>
+                                        </p:cTn>
+                                        <p:tgtEl>
+                                          <p:spTgt spid="3">
+                                            <p:txEl>
+                                              <p:pRg st="3" end="3"/>
+                                            </p:txEl>
+                                          </p:spTgt>
+                                        </p:tgtEl>
+                                        <p:attrNameLst>
+                                          <p:attrName>style.visibility</p:attrName>
+                                        </p:attrNameLst>
+                                      </p:cBhvr>
+                                      <p:to>
+                                        <p:strVal val="visible"/>
+                                      </p:to>
+                                    </p:set>
+                                    <p:animEffect transition="in" filter="fade">
+                                      <p:cBhvr>
+                                        <p:cTn id="26" dur="1000"/>
+                                        <p:tgtEl>
+                                          <p:spTgt spid="3">
+                                            <p:txEl>
+                                              <p:pRg st="3" end="3"/>
+                                            </p:txEl>
+                                          </p:spTgt>
+                                        </p:tgtEl>
+                                      </p:cBhvr>
+                                    </p:animEffect>
+                                    <p:anim calcmode="lin" valueType="num">
+                                      <p:cBhvr>
+                                        <p:cTn id="27" dur="1000" fill="hold"/>
+                                        <p:tgtEl>
+                                          <p:spTgt spid="3">
+                                            <p:txEl>
+                                              <p:pRg st="3" end="3"/>
+                                            </p:txEl>
+                                          </p:spTgt>
+                                        </p:tgtEl>
+                                        <p:attrNameLst>
+                                          <p:attrName>ppt_x</p:attrName>
+                                        </p:attrNameLst>
+                                      </p:cBhvr>
+                                      <p:tavLst>
+                                        <p:tav tm="0">
+                                          <p:val>
+                                            <p:strVal val="#ppt_x"/>
+                                          </p:val>
+                                        </p:tav>
+                                        <p:tav tm="100000">
+                                          <p:val>
+                                            <p:strVal val="#ppt_x"/>
+                                          </p:val>
+                                        </p:tav>
+                                      </p:tavLst>
+                                    </p:anim>
+                                    <p:anim calcmode="lin" valueType="num">
+                                      <p:cBhvr>
+                                        <p:cTn id="28" dur="1000" fill="hold"/>
+                                        <p:tgtEl>
+                                          <p:spTgt spid="3">
+                                            <p:txEl>
+                                              <p:pRg st="3" end="3"/>
+                                            </p:txEl>
+                                          </p:spTgt>
+                                        </p:tgtEl>
+                                        <p:attrNameLst>
+                                          <p:attrName>ppt_y</p:attrName>
+                                        </p:attrNameLst>
+                                      </p:cBhvr>
+                                      <p:tavLst>
+                                        <p:tav tm="0">
+                                          <p:val>
+                                            <p:strVal val="#ppt_y+.1"/>
+                                          </p:val>
+                                        </p:tav>
+                                        <p:tav tm="100000">
+                                          <p:val>
+                                            <p:strVal val="#ppt_y"/>
+                                          </p:val>
+                                        </p:tav>
+                                      </p:tavLst>
+                                    </p:anim>
+                                  </p:childTnLst>
+                                </p:cTn>
+                              </p:par>
+                            </p:childTnLst>
+                          </p:cTn>
+                        </p:par>
+                      </p:childTnLst>
+                    </p:cTn>
+                  </p:par>
+                </p:childTnLst>
+              </p:cTn>
+              <p:prevCondLst>
+                <p:cond evt="onPrev" delay="0">
+                  <p:tgtEl>
+                    <p:sldTgt/>
+                  </p:tgtEl>
+                </p:cond>
+              </p:prevCondLst>
+              <p:nextCondLst>
+                <p:cond evt="onNext" delay="0">
+                  <p:tgtEl>
+                    <p:sldTgt/>
+                  </p:tgtEl>
+                </p:cond>
+              </p:nextCondLst>
+            </p:seq>
+          </p:childTnLst>
+        </p:cTn>
+      </p:par>
+    </p:tnLst>
+  </p:timing>
+</p:sld>
+</file>
+
+<file path=ppt/slides/slide12.xml><?xml version="1.0" encoding="utf-8"?>
+<p:sld xmlns:a="http://schemas.openxmlformats.org/drawingml/2006/main" xmlns:r="http://schemas.openxmlformats.org/officeDocument/2006/relationships" xmlns:p="http://schemas.openxmlformats.org/presentationml/2006/main">
+  <p:cSld>
+    <p:spTree>
+      <p:nvGrpSpPr>
+        <p:cNvPr id="1" name=""/>
+        <p:cNvGrpSpPr/>
+        <p:nvPr/>
+      </p:nvGrpSpPr>
+      <p:grpSpPr>
+        <a:xfrm>
+          <a:off x="0" y="0"/>
+          <a:ext cx="0" cy="0"/>
+          <a:chOff x="0" y="0"/>
+          <a:chExt cx="0" cy="0"/>
+        </a:xfrm>
+      </p:grpSpPr>
+      <p:sp>
+        <p:nvSpPr>
+          <p:cNvPr id="2" name="Title 1"/>
+          <p:cNvSpPr>
+            <a:spLocks noGrp="1"/>
+          </p:cNvSpPr>
+          <p:nvPr>
+            <p:ph type="title"/>
+          </p:nvPr>
+        </p:nvSpPr>
+        <p:spPr/>
+        <p:txBody>
+          <a:bodyPr/>
+          <a:lstStyle/>
+          <a:p>
+            <a:r>
+              <a:rPr lang="en-US" dirty="0" smtClean="0"/>
+              <a:t>Work Energy Principle</a:t>
+            </a:r>
+            <a:endParaRPr lang="en-US" dirty="0"/>
+          </a:p>
+        </p:txBody>
+      </p:sp>
+      <mc:AlternateContent xmlns:mc="http://schemas.openxmlformats.org/markup-compatibility/2006">
+        <mc:Choice xmlns:a14="http://schemas.microsoft.com/office/drawing/2010/main" Requires="a14">
+          <p:sp>
+            <p:nvSpPr>
+              <p:cNvPr id="3" name="Content Placeholder 2"/>
+              <p:cNvSpPr>
+                <a:spLocks noGrp="1"/>
+              </p:cNvSpPr>
+              <p:nvPr>
+                <p:ph idx="1"/>
+              </p:nvPr>
+            </p:nvSpPr>
+            <p:spPr/>
+            <p:txBody>
+              <a:bodyPr/>
+              <a:lstStyle/>
+              <a:p>
+                <a:r>
+                  <a:rPr lang="en-US" dirty="0" smtClean="0"/>
+                  <a:t>If an unbalanced force exerted upon an object it will accelerate</a:t>
+                </a:r>
+              </a:p>
+              <a:p>
+                <a14:m>
+                  <m:oMath xmlns:m="http://schemas.openxmlformats.org/officeDocument/2006/math">
+                    <m:sSub>
+                      <m:sSubPr>
+                        <m:ctrlPr>
+                          <a:rPr lang="en-US" i="1" smtClean="0">
+                            <a:latin typeface="Cambria Math" panose="02040503050406030204" pitchFamily="18" charset="0"/>
+                          </a:rPr>
+                        </m:ctrlPr>
+                      </m:sSubPr>
+                      <m:e>
+                        <m:r>
+                          <a:rPr lang="en-US" b="0" i="1" smtClean="0">
+                            <a:latin typeface="Cambria Math" panose="02040503050406030204" pitchFamily="18" charset="0"/>
+                          </a:rPr>
+                          <m:t>𝑣</m:t>
+                        </m:r>
+                      </m:e>
+                      <m:sub>
+                        <m:r>
+                          <a:rPr lang="en-US" b="0" i="1" smtClean="0">
+                            <a:latin typeface="Cambria Math" panose="02040503050406030204" pitchFamily="18" charset="0"/>
+                          </a:rPr>
+                          <m:t>𝑖</m:t>
+                        </m:r>
+                      </m:sub>
+                    </m:sSub>
+                    <m:r>
+                      <a:rPr lang="en-US" i="1" smtClean="0">
+                        <a:latin typeface="Cambria Math" panose="02040503050406030204" pitchFamily="18" charset="0"/>
+                        <a:ea typeface="Cambria Math" panose="02040503050406030204" pitchFamily="18" charset="0"/>
+                      </a:rPr>
+                      <m:t>→</m:t>
+                    </m:r>
+                    <m:sSub>
+                      <m:sSubPr>
+                        <m:ctrlPr>
+                          <a:rPr lang="en-US" i="1" smtClean="0">
+                            <a:latin typeface="Cambria Math" panose="02040503050406030204" pitchFamily="18" charset="0"/>
+                            <a:ea typeface="Cambria Math" panose="02040503050406030204" pitchFamily="18" charset="0"/>
+                          </a:rPr>
+                        </m:ctrlPr>
+                      </m:sSubPr>
+                      <m:e>
+                        <m:r>
+                          <a:rPr lang="en-US" b="0" i="1" smtClean="0">
+                            <a:latin typeface="Cambria Math" panose="02040503050406030204" pitchFamily="18" charset="0"/>
+                            <a:ea typeface="Cambria Math" panose="02040503050406030204" pitchFamily="18" charset="0"/>
+                          </a:rPr>
+                          <m:t>𝑣</m:t>
+                        </m:r>
+                      </m:e>
+                      <m:sub>
+                        <m:r>
+                          <a:rPr lang="en-US" b="0" i="1" smtClean="0">
+                            <a:latin typeface="Cambria Math" panose="02040503050406030204" pitchFamily="18" charset="0"/>
+                            <a:ea typeface="Cambria Math" panose="02040503050406030204" pitchFamily="18" charset="0"/>
+                          </a:rPr>
+                          <m:t>𝑓</m:t>
+                        </m:r>
+                      </m:sub>
+                    </m:sSub>
+                  </m:oMath>
+                </a14:m>
+                <a:endParaRPr lang="en-US" dirty="0" smtClean="0"/>
+              </a:p>
+              <a:p>
+                <a:r>
+                  <a:rPr lang="en-US" dirty="0" smtClean="0"/>
+                  <a:t>The net force is going to do some work</a:t>
+                </a:r>
+              </a:p>
+              <a:p>
+                <a14:m>
+                  <m:oMath xmlns:m="http://schemas.openxmlformats.org/officeDocument/2006/math">
+                    <m:r>
+                      <a:rPr lang="en-US" b="1" i="1" smtClean="0">
+                        <a:latin typeface="Cambria Math" panose="02040503050406030204" pitchFamily="18" charset="0"/>
+                      </a:rPr>
+                      <m:t>𝑾</m:t>
+                    </m:r>
+                    <m:r>
+                      <a:rPr lang="en-US" b="1" i="1" smtClean="0">
+                        <a:latin typeface="Cambria Math" panose="02040503050406030204" pitchFamily="18" charset="0"/>
+                      </a:rPr>
+                      <m:t>=</m:t>
+                    </m:r>
+                    <m:f>
+                      <m:fPr>
+                        <m:ctrlPr>
+                          <a:rPr lang="en-US" b="1" i="1" smtClean="0">
+                            <a:latin typeface="Cambria Math" panose="02040503050406030204" pitchFamily="18" charset="0"/>
+                          </a:rPr>
+                        </m:ctrlPr>
+                      </m:fPr>
+                      <m:num>
+                        <m:r>
+                          <a:rPr lang="en-US" b="1" i="1" smtClean="0">
+                            <a:latin typeface="Cambria Math" panose="02040503050406030204" pitchFamily="18" charset="0"/>
+                          </a:rPr>
+                          <m:t>𝟏</m:t>
+                        </m:r>
+                      </m:num>
+                      <m:den>
+                        <m:r>
+                          <a:rPr lang="en-US" b="1" i="1" smtClean="0">
+                            <a:latin typeface="Cambria Math" panose="02040503050406030204" pitchFamily="18" charset="0"/>
+                          </a:rPr>
+                          <m:t>𝟐</m:t>
+                        </m:r>
+                      </m:den>
+                    </m:f>
+                    <m:r>
+                      <a:rPr lang="en-US" b="1" i="1" smtClean="0">
+                        <a:latin typeface="Cambria Math" panose="02040503050406030204" pitchFamily="18" charset="0"/>
+                      </a:rPr>
+                      <m:t>𝒎</m:t>
+                    </m:r>
+                    <m:sSubSup>
+                      <m:sSubSupPr>
+                        <m:ctrlPr>
+                          <a:rPr lang="en-US" b="1" i="1" smtClean="0">
+                            <a:latin typeface="Cambria Math" panose="02040503050406030204" pitchFamily="18" charset="0"/>
+                          </a:rPr>
+                        </m:ctrlPr>
+                      </m:sSubSupPr>
+                      <m:e>
+                        <m:r>
+                          <a:rPr lang="en-US" b="1" i="1" smtClean="0">
+                            <a:latin typeface="Cambria Math" panose="02040503050406030204" pitchFamily="18" charset="0"/>
+                          </a:rPr>
+                          <m:t>𝒗</m:t>
+                        </m:r>
+                      </m:e>
+                      <m:sub>
+                        <m:r>
+                          <a:rPr lang="en-US" b="1" i="1" smtClean="0">
+                            <a:latin typeface="Cambria Math" panose="02040503050406030204" pitchFamily="18" charset="0"/>
+                          </a:rPr>
+                          <m:t>𝒇</m:t>
+                        </m:r>
+                      </m:sub>
+                      <m:sup>
+                        <m:r>
+                          <a:rPr lang="en-US" b="1" i="1" smtClean="0">
+                            <a:latin typeface="Cambria Math" panose="02040503050406030204" pitchFamily="18" charset="0"/>
+                          </a:rPr>
+                          <m:t>𝟐</m:t>
+                        </m:r>
+                      </m:sup>
+                    </m:sSubSup>
+                    <m:r>
+                      <a:rPr lang="en-US" b="1" i="1" smtClean="0">
+                        <a:latin typeface="Cambria Math" panose="02040503050406030204" pitchFamily="18" charset="0"/>
+                      </a:rPr>
+                      <m:t>−</m:t>
+                    </m:r>
+                    <m:f>
+                      <m:fPr>
+                        <m:ctrlPr>
+                          <a:rPr lang="en-US" b="1" i="1" smtClean="0">
+                            <a:latin typeface="Cambria Math" panose="02040503050406030204" pitchFamily="18" charset="0"/>
+                          </a:rPr>
+                        </m:ctrlPr>
+                      </m:fPr>
+                      <m:num>
+                        <m:r>
+                          <a:rPr lang="en-US" b="1" i="1" smtClean="0">
+                            <a:latin typeface="Cambria Math" panose="02040503050406030204" pitchFamily="18" charset="0"/>
+                          </a:rPr>
+                          <m:t>𝟏</m:t>
+                        </m:r>
+                      </m:num>
+                      <m:den>
+                        <m:r>
+                          <a:rPr lang="en-US" b="1" i="1" smtClean="0">
+                            <a:latin typeface="Cambria Math" panose="02040503050406030204" pitchFamily="18" charset="0"/>
+                          </a:rPr>
+                          <m:t>𝟐</m:t>
+                        </m:r>
+                      </m:den>
+                    </m:f>
+                    <m:r>
+                      <a:rPr lang="en-US" b="1" i="1" smtClean="0">
+                        <a:latin typeface="Cambria Math" panose="02040503050406030204" pitchFamily="18" charset="0"/>
+                      </a:rPr>
+                      <m:t>𝒎</m:t>
+                    </m:r>
+                    <m:sSubSup>
+                      <m:sSubSupPr>
+                        <m:ctrlPr>
+                          <a:rPr lang="en-US" b="1" i="1" smtClean="0">
+                            <a:latin typeface="Cambria Math" panose="02040503050406030204" pitchFamily="18" charset="0"/>
+                          </a:rPr>
+                        </m:ctrlPr>
+                      </m:sSubSupPr>
+                      <m:e>
+                        <m:r>
+                          <a:rPr lang="en-US" b="1" i="1" smtClean="0">
+                            <a:latin typeface="Cambria Math" panose="02040503050406030204" pitchFamily="18" charset="0"/>
+                          </a:rPr>
+                          <m:t>𝒗</m:t>
+                        </m:r>
+                      </m:e>
+                      <m:sub>
+                        <m:r>
+                          <a:rPr lang="en-US" b="1" i="1" smtClean="0">
+                            <a:latin typeface="Cambria Math" panose="02040503050406030204" pitchFamily="18" charset="0"/>
+                          </a:rPr>
+                          <m:t>𝒊</m:t>
+                        </m:r>
+                      </m:sub>
+                      <m:sup>
+                        <m:r>
+                          <a:rPr lang="en-US" b="1" i="1" smtClean="0">
+                            <a:latin typeface="Cambria Math" panose="02040503050406030204" pitchFamily="18" charset="0"/>
+                          </a:rPr>
+                          <m:t>𝟐</m:t>
+                        </m:r>
+                      </m:sup>
+                    </m:sSubSup>
+                  </m:oMath>
+                </a14:m>
+                <a:endParaRPr lang="en-US" b="1" dirty="0" smtClean="0"/>
+              </a:p>
+              <a:p>
+                <a:r>
+                  <a:rPr lang="en-US" dirty="0" smtClean="0"/>
+                  <a:t>The work done by the net force on an object is equal to the change of kinetic energy of the object</a:t>
+                </a:r>
+                <a:endParaRPr lang="en-US" dirty="0"/>
+              </a:p>
+            </p:txBody>
+          </p:sp>
+        </mc:Choice>
+        <mc:Fallback>
+          <p:sp>
+            <p:nvSpPr>
+              <p:cNvPr id="3" name="Content Placeholder 2"/>
+              <p:cNvSpPr>
+                <a:spLocks noGrp="1" noRot="1" noChangeAspect="1" noMove="1" noResize="1" noEditPoints="1" noAdjustHandles="1" noChangeArrowheads="1" noChangeShapeType="1" noTextEdit="1"/>
+              </p:cNvSpPr>
+              <p:nvPr>
+                <p:ph idx="1"/>
+              </p:nvPr>
+            </p:nvSpPr>
+            <p:spPr>
+              <a:blipFill>
+                <a:blip r:embed="rId2"/>
+                <a:stretch>
+                  <a:fillRect l="-1043" t="-2241" r="-1275"/>
+                </a:stretch>
+              </a:blipFill>
+            </p:spPr>
+            <p:txBody>
+              <a:bodyPr/>
+              <a:lstStyle/>
+              <a:p>
+                <a:r>
+                  <a:rPr lang="en-US">
+                    <a:noFill/>
+                  </a:rPr>
+                  <a:t> </a:t>
+                </a:r>
+              </a:p>
+            </p:txBody>
+          </p:sp>
+        </mc:Fallback>
+      </mc:AlternateContent>
+    </p:spTree>
+    <p:extLst>
+      <p:ext uri="{BB962C8B-B14F-4D97-AF65-F5344CB8AC3E}">
+        <p14:creationId xmlns:p14="http://schemas.microsoft.com/office/powerpoint/2010/main" val="3516381603"/>
+      </p:ext>
+    </p:extLst>
+  </p:cSld>
+  <p:clrMapOvr>
+    <a:masterClrMapping/>
+  </p:clrMapOvr>
+  <p:timing>
+    <p:tnLst>
+      <p:par>
+        <p:cTn id="1" dur="indefinite" restart="never" nodeType="tmRoot">
+          <p:childTnLst>
+            <p:seq concurrent="1" nextAc="seek">
+              <p:cTn id="2" dur="indefinite" nodeType="mainSeq">
+                <p:childTnLst>
+                  <p:par>
+                    <p:cTn id="3" fill="hold">
+                      <p:stCondLst>
+                        <p:cond delay="indefinite"/>
+                      </p:stCondLst>
+                      <p:childTnLst>
+                        <p:par>
+                          <p:cTn id="4" fill="hold">
+                            <p:stCondLst>
+                              <p:cond delay="0"/>
+                            </p:stCondLst>
+                            <p:childTnLst>
+                              <p:par>
+                                <p:cTn id="5" presetID="42" presetClass="entr" presetSubtype="0" fill="hold" nodeType="clickEffect">
+                                  <p:stCondLst>
+                                    <p:cond delay="0"/>
+                                  </p:stCondLst>
+                                  <p:childTnLst>
+                                    <p:set>
+                                      <p:cBhvr>
+                                        <p:cTn id="6" dur="1" fill="hold">
+                                          <p:stCondLst>
+                                            <p:cond delay="0"/>
+                                          </p:stCondLst>
+                                        </p:cTn>
+                                        <p:tgtEl>
+                                          <p:spTgt spid="3">
+                                            <p:txEl>
+                                              <p:pRg st="0" end="0"/>
+                                            </p:txEl>
+                                          </p:spTgt>
+                                        </p:tgtEl>
+                                        <p:attrNameLst>
+                                          <p:attrName>style.visibility</p:attrName>
+                                        </p:attrNameLst>
+                                      </p:cBhvr>
+                                      <p:to>
+                                        <p:strVal val="visible"/>
+                                      </p:to>
+                                    </p:set>
+                                    <p:animEffect transition="in" filter="fade">
+                                      <p:cBhvr>
+                                        <p:cTn id="7" dur="1000"/>
+                                        <p:tgtEl>
+                                          <p:spTgt spid="3">
+                                            <p:txEl>
+                                              <p:pRg st="0" end="0"/>
+                                            </p:txEl>
+                                          </p:spTgt>
+                                        </p:tgtEl>
+                                      </p:cBhvr>
+                                    </p:animEffect>
+                                    <p:anim calcmode="lin" valueType="num">
+                                      <p:cBhvr>
+                                        <p:cTn id="8" dur="1000" fill="hold"/>
+                                        <p:tgtEl>
+                                          <p:spTgt spid="3">
+                                            <p:txEl>
+                                              <p:pRg st="0" end="0"/>
+                                            </p:txEl>
+                                          </p:spTgt>
+                                        </p:tgtEl>
+                                        <p:attrNameLst>
+                                          <p:attrName>ppt_x</p:attrName>
+                                        </p:attrNameLst>
+                                      </p:cBhvr>
+                                      <p:tavLst>
+                                        <p:tav tm="0">
+                                          <p:val>
+                                            <p:strVal val="#ppt_x"/>
+                                          </p:val>
+                                        </p:tav>
+                                        <p:tav tm="100000">
+                                          <p:val>
+                                            <p:strVal val="#ppt_x"/>
+                                          </p:val>
+                                        </p:tav>
+                                      </p:tavLst>
+                                    </p:anim>
+                                    <p:anim calcmode="lin" valueType="num">
+                                      <p:cBhvr>
+                                        <p:cTn id="9" dur="1000" fill="hold"/>
+                                        <p:tgtEl>
+                                          <p:spTgt spid="3">
+                                            <p:txEl>
+                                              <p:pRg st="0" end="0"/>
+                                            </p:txEl>
+                                          </p:spTgt>
+                                        </p:tgtEl>
+                                        <p:attrNameLst>
+                                          <p:attrName>ppt_y</p:attrName>
+                                        </p:attrNameLst>
+                                      </p:cBhvr>
+                                      <p:tavLst>
+                                        <p:tav tm="0">
+                                          <p:val>
+                                            <p:strVal val="#ppt_y+.1"/>
+                                          </p:val>
+                                        </p:tav>
+                                        <p:tav tm="100000">
+                                          <p:val>
+                                            <p:strVal val="#ppt_y"/>
+                                          </p:val>
+                                        </p:tav>
+                                      </p:tavLst>
+                                    </p:anim>
+                                  </p:childTnLst>
+                                </p:cTn>
+                              </p:par>
+                            </p:childTnLst>
+                          </p:cTn>
+                        </p:par>
+                      </p:childTnLst>
+                    </p:cTn>
+                  </p:par>
+                  <p:par>
+                    <p:cTn id="10" fill="hold">
+                      <p:stCondLst>
+                        <p:cond delay="indefinite"/>
+                      </p:stCondLst>
+                      <p:childTnLst>
+                        <p:par>
+                          <p:cTn id="11" fill="hold">
+                            <p:stCondLst>
+                              <p:cond delay="0"/>
+                            </p:stCondLst>
+                            <p:childTnLst>
+                              <p:par>
+                                <p:cTn id="12" presetID="42" presetClass="entr" presetSubtype="0" fill="hold" nodeType="clickEffect">
+                                  <p:stCondLst>
+                                    <p:cond delay="0"/>
+                                  </p:stCondLst>
+                                  <p:childTnLst>
+                                    <p:set>
+                                      <p:cBhvr>
+                                        <p:cTn id="13" dur="1" fill="hold">
+                                          <p:stCondLst>
+                                            <p:cond delay="0"/>
+                                          </p:stCondLst>
+                                        </p:cTn>
+                                        <p:tgtEl>
+                                          <p:spTgt spid="3">
+                                            <p:txEl>
+                                              <p:pRg st="1" end="1"/>
+                                            </p:txEl>
+                                          </p:spTgt>
+                                        </p:tgtEl>
+                                        <p:attrNameLst>
+                                          <p:attrName>style.visibility</p:attrName>
+                                        </p:attrNameLst>
+                                      </p:cBhvr>
+                                      <p:to>
+                                        <p:strVal val="visible"/>
+                                      </p:to>
+                                    </p:set>
+                                    <p:animEffect transition="in" filter="fade">
+                                      <p:cBhvr>
+                                        <p:cTn id="14" dur="1000"/>
+                                        <p:tgtEl>
+                                          <p:spTgt spid="3">
+                                            <p:txEl>
+                                              <p:pRg st="1" end="1"/>
+                                            </p:txEl>
+                                          </p:spTgt>
+                                        </p:tgtEl>
+                                      </p:cBhvr>
+                                    </p:animEffect>
+                                    <p:anim calcmode="lin" valueType="num">
+                                      <p:cBhvr>
+                                        <p:cTn id="15" dur="1000" fill="hold"/>
+                                        <p:tgtEl>
+                                          <p:spTgt spid="3">
+                                            <p:txEl>
+                                              <p:pRg st="1" end="1"/>
+                                            </p:txEl>
+                                          </p:spTgt>
+                                        </p:tgtEl>
+                                        <p:attrNameLst>
+                                          <p:attrName>ppt_x</p:attrName>
+                                        </p:attrNameLst>
+                                      </p:cBhvr>
+                                      <p:tavLst>
+                                        <p:tav tm="0">
+                                          <p:val>
+                                            <p:strVal val="#ppt_x"/>
+                                          </p:val>
+                                        </p:tav>
+                                        <p:tav tm="100000">
+                                          <p:val>
+                                            <p:strVal val="#ppt_x"/>
+                                          </p:val>
+                                        </p:tav>
+                                      </p:tavLst>
+                                    </p:anim>
+                                    <p:anim calcmode="lin" valueType="num">
+                                      <p:cBhvr>
+                                        <p:cTn id="16" dur="1000" fill="hold"/>
+                                        <p:tgtEl>
+                                          <p:spTgt spid="3">
+                                            <p:txEl>
+                                              <p:pRg st="1" end="1"/>
+                                            </p:txEl>
+                                          </p:spTgt>
+                                        </p:tgtEl>
+                                        <p:attrNameLst>
+                                          <p:attrName>ppt_y</p:attrName>
+                                        </p:attrNameLst>
+                                      </p:cBhvr>
+                                      <p:tavLst>
+                                        <p:tav tm="0">
+                                          <p:val>
+                                            <p:strVal val="#ppt_y+.1"/>
+                                          </p:val>
+                                        </p:tav>
+                                        <p:tav tm="100000">
+                                          <p:val>
+                                            <p:strVal val="#ppt_y"/>
+                                          </p:val>
+                                        </p:tav>
+                                      </p:tavLst>
+                                    </p:anim>
+                                  </p:childTnLst>
+                                </p:cTn>
+                              </p:par>
+                            </p:childTnLst>
+                          </p:cTn>
+                        </p:par>
+                      </p:childTnLst>
+                    </p:cTn>
+                  </p:par>
+                  <p:par>
+                    <p:cTn id="17" fill="hold">
+                      <p:stCondLst>
+                        <p:cond delay="indefinite"/>
+                      </p:stCondLst>
+                      <p:childTnLst>
+                        <p:par>
+                          <p:cTn id="18" fill="hold">
+                            <p:stCondLst>
+                              <p:cond delay="0"/>
+                            </p:stCondLst>
+                            <p:childTnLst>
+                              <p:par>
+                                <p:cTn id="19" presetID="42" presetClass="entr" presetSubtype="0" fill="hold" nodeType="clickEffect">
+                                  <p:stCondLst>
+                                    <p:cond delay="0"/>
+                                  </p:stCondLst>
+                                  <p:childTnLst>
+                                    <p:set>
+                                      <p:cBhvr>
+                                        <p:cTn id="20" dur="1" fill="hold">
+                                          <p:stCondLst>
+                                            <p:cond delay="0"/>
+                                          </p:stCondLst>
+                                        </p:cTn>
+                                        <p:tgtEl>
+                                          <p:spTgt spid="3">
+                                            <p:txEl>
+                                              <p:pRg st="2" end="2"/>
+                                            </p:txEl>
+                                          </p:spTgt>
+                                        </p:tgtEl>
+                                        <p:attrNameLst>
+                                          <p:attrName>style.visibility</p:attrName>
+                                        </p:attrNameLst>
+                                      </p:cBhvr>
+                                      <p:to>
+                                        <p:strVal val="visible"/>
+                                      </p:to>
+                                    </p:set>
+                                    <p:animEffect transition="in" filter="fade">
+                                      <p:cBhvr>
+                                        <p:cTn id="21" dur="1000"/>
+                                        <p:tgtEl>
+                                          <p:spTgt spid="3">
+                                            <p:txEl>
+                                              <p:pRg st="2" end="2"/>
+                                            </p:txEl>
+                                          </p:spTgt>
+                                        </p:tgtEl>
+                                      </p:cBhvr>
+                                    </p:animEffect>
+                                    <p:anim calcmode="lin" valueType="num">
+                                      <p:cBhvr>
+                                        <p:cTn id="22" dur="1000" fill="hold"/>
+                                        <p:tgtEl>
+                                          <p:spTgt spid="3">
+                                            <p:txEl>
+                                              <p:pRg st="2" end="2"/>
+                                            </p:txEl>
+                                          </p:spTgt>
+                                        </p:tgtEl>
+                                        <p:attrNameLst>
+                                          <p:attrName>ppt_x</p:attrName>
+                                        </p:attrNameLst>
+                                      </p:cBhvr>
+                                      <p:tavLst>
+                                        <p:tav tm="0">
+                                          <p:val>
+                                            <p:strVal val="#ppt_x"/>
+                                          </p:val>
+                                        </p:tav>
+                                        <p:tav tm="100000">
+                                          <p:val>
+                                            <p:strVal val="#ppt_x"/>
+                                          </p:val>
+                                        </p:tav>
+                                      </p:tavLst>
+                                    </p:anim>
+                                    <p:anim calcmode="lin" valueType="num">
+                                      <p:cBhvr>
+                                        <p:cTn id="23" dur="1000" fill="hold"/>
+                                        <p:tgtEl>
+                                          <p:spTgt spid="3">
+                                            <p:txEl>
+                                              <p:pRg st="2" end="2"/>
+                                            </p:txEl>
+                                          </p:spTgt>
+                                        </p:tgtEl>
+                                        <p:attrNameLst>
+                                          <p:attrName>ppt_y</p:attrName>
+                                        </p:attrNameLst>
+                                      </p:cBhvr>
+                                      <p:tavLst>
+                                        <p:tav tm="0">
+                                          <p:val>
+                                            <p:strVal val="#ppt_y+.1"/>
+                                          </p:val>
+                                        </p:tav>
+                                        <p:tav tm="100000">
+                                          <p:val>
+                                            <p:strVal val="#ppt_y"/>
+                                          </p:val>
+                                        </p:tav>
+                                      </p:tavLst>
+                                    </p:anim>
+                                  </p:childTnLst>
+                                </p:cTn>
+                              </p:par>
+                            </p:childTnLst>
+                          </p:cTn>
+                        </p:par>
+                      </p:childTnLst>
+                    </p:cTn>
+                  </p:par>
+                  <p:par>
+                    <p:cTn id="24" fill="hold">
+                      <p:stCondLst>
+                        <p:cond delay="indefinite"/>
+                      </p:stCondLst>
+                      <p:childTnLst>
+                        <p:par>
+                          <p:cTn id="25" fill="hold">
+                            <p:stCondLst>
+                              <p:cond delay="0"/>
+                            </p:stCondLst>
+                            <p:childTnLst>
+                              <p:par>
+                                <p:cTn id="26" presetID="42" presetClass="entr" presetSubtype="0" fill="hold" nodeType="clickEffect">
+                                  <p:stCondLst>
+                                    <p:cond delay="0"/>
+                                  </p:stCondLst>
+                                  <p:childTnLst>
+                                    <p:set>
+                                      <p:cBhvr>
+                                        <p:cTn id="27" dur="1" fill="hold">
+                                          <p:stCondLst>
+                                            <p:cond delay="0"/>
+                                          </p:stCondLst>
+                                        </p:cTn>
+                                        <p:tgtEl>
+                                          <p:spTgt spid="3">
+                                            <p:txEl>
+                                              <p:pRg st="3" end="3"/>
+                                            </p:txEl>
+                                          </p:spTgt>
+                                        </p:tgtEl>
+                                        <p:attrNameLst>
+                                          <p:attrName>style.visibility</p:attrName>
+                                        </p:attrNameLst>
+                                      </p:cBhvr>
+                                      <p:to>
+                                        <p:strVal val="visible"/>
+                                      </p:to>
+                                    </p:set>
+                                    <p:animEffect transition="in" filter="fade">
+                                      <p:cBhvr>
+                                        <p:cTn id="28" dur="1000"/>
+                                        <p:tgtEl>
+                                          <p:spTgt spid="3">
+                                            <p:txEl>
+                                              <p:pRg st="3" end="3"/>
+                                            </p:txEl>
+                                          </p:spTgt>
+                                        </p:tgtEl>
+                                      </p:cBhvr>
+                                    </p:animEffect>
+                                    <p:anim calcmode="lin" valueType="num">
+                                      <p:cBhvr>
+                                        <p:cTn id="29" dur="1000" fill="hold"/>
+                                        <p:tgtEl>
+                                          <p:spTgt spid="3">
+                                            <p:txEl>
+                                              <p:pRg st="3" end="3"/>
+                                            </p:txEl>
+                                          </p:spTgt>
+                                        </p:tgtEl>
+                                        <p:attrNameLst>
+                                          <p:attrName>ppt_x</p:attrName>
+                                        </p:attrNameLst>
+                                      </p:cBhvr>
+                                      <p:tavLst>
+                                        <p:tav tm="0">
+                                          <p:val>
+                                            <p:strVal val="#ppt_x"/>
+                                          </p:val>
+                                        </p:tav>
+                                        <p:tav tm="100000">
+                                          <p:val>
+                                            <p:strVal val="#ppt_x"/>
+                                          </p:val>
+                                        </p:tav>
+                                      </p:tavLst>
+                                    </p:anim>
+                                    <p:anim calcmode="lin" valueType="num">
+                                      <p:cBhvr>
+                                        <p:cTn id="30" dur="1000" fill="hold"/>
+                                        <p:tgtEl>
+                                          <p:spTgt spid="3">
+                                            <p:txEl>
+                                              <p:pRg st="3" end="3"/>
+                                            </p:txEl>
+                                          </p:spTgt>
+                                        </p:tgtEl>
+                                        <p:attrNameLst>
+                                          <p:attrName>ppt_y</p:attrName>
+                                        </p:attrNameLst>
+                                      </p:cBhvr>
+                                      <p:tavLst>
+                                        <p:tav tm="0">
+                                          <p:val>
+                                            <p:strVal val="#ppt_y+.1"/>
+                                          </p:val>
+                                        </p:tav>
+                                        <p:tav tm="100000">
+                                          <p:val>
+                                            <p:strVal val="#ppt_y"/>
+                                          </p:val>
+                                        </p:tav>
+                                      </p:tavLst>
+                                    </p:anim>
+                                  </p:childTnLst>
+                                </p:cTn>
+                              </p:par>
+                            </p:childTnLst>
+                          </p:cTn>
+                        </p:par>
+                      </p:childTnLst>
+                    </p:cTn>
+                  </p:par>
+                  <p:par>
+                    <p:cTn id="31" fill="hold">
+                      <p:stCondLst>
+                        <p:cond delay="indefinite"/>
+                      </p:stCondLst>
+                      <p:childTnLst>
+                        <p:par>
+                          <p:cTn id="32" fill="hold">
+                            <p:stCondLst>
+                              <p:cond delay="0"/>
+                            </p:stCondLst>
+                            <p:childTnLst>
+                              <p:par>
+                                <p:cTn id="33" presetID="42" presetClass="entr" presetSubtype="0" fill="hold" nodeType="clickEffect">
+                                  <p:stCondLst>
+                                    <p:cond delay="0"/>
+                                  </p:stCondLst>
+                                  <p:childTnLst>
+                                    <p:set>
+                                      <p:cBhvr>
+                                        <p:cTn id="34" dur="1" fill="hold">
+                                          <p:stCondLst>
+                                            <p:cond delay="0"/>
+                                          </p:stCondLst>
+                                        </p:cTn>
+                                        <p:tgtEl>
+                                          <p:spTgt spid="3">
+                                            <p:txEl>
+                                              <p:pRg st="4" end="4"/>
+                                            </p:txEl>
+                                          </p:spTgt>
+                                        </p:tgtEl>
+                                        <p:attrNameLst>
+                                          <p:attrName>style.visibility</p:attrName>
+                                        </p:attrNameLst>
+                                      </p:cBhvr>
+                                      <p:to>
+                                        <p:strVal val="visible"/>
+                                      </p:to>
+                                    </p:set>
+                                    <p:animEffect transition="in" filter="fade">
+                                      <p:cBhvr>
+                                        <p:cTn id="35" dur="1000"/>
+                                        <p:tgtEl>
+                                          <p:spTgt spid="3">
+                                            <p:txEl>
+                                              <p:pRg st="4" end="4"/>
+                                            </p:txEl>
+                                          </p:spTgt>
+                                        </p:tgtEl>
+                                      </p:cBhvr>
+                                    </p:animEffect>
+                                    <p:anim calcmode="lin" valueType="num">
+                                      <p:cBhvr>
+                                        <p:cTn id="36" dur="1000" fill="hold"/>
+                                        <p:tgtEl>
+                                          <p:spTgt spid="3">
+                                            <p:txEl>
+                                              <p:pRg st="4" end="4"/>
+                                            </p:txEl>
+                                          </p:spTgt>
+                                        </p:tgtEl>
+                                        <p:attrNameLst>
+                                          <p:attrName>ppt_x</p:attrName>
+                                        </p:attrNameLst>
+                                      </p:cBhvr>
+                                      <p:tavLst>
+                                        <p:tav tm="0">
+                                          <p:val>
+                                            <p:strVal val="#ppt_x"/>
+                                          </p:val>
+                                        </p:tav>
+                                        <p:tav tm="100000">
+                                          <p:val>
+                                            <p:strVal val="#ppt_x"/>
+                                          </p:val>
+                                        </p:tav>
+                                      </p:tavLst>
+                                    </p:anim>
+                                    <p:anim calcmode="lin" valueType="num">
+                                      <p:cBhvr>
+                                        <p:cTn id="37" dur="1000" fill="hold"/>
+                                        <p:tgtEl>
+                                          <p:spTgt spid="3">
+                                            <p:txEl>
+                                              <p:pRg st="4" end="4"/>
+                                            </p:txEl>
+                                          </p:spTgt>
+                                        </p:tgtEl>
+                                        <p:attrNameLst>
+                                          <p:attrName>ppt_y</p:attrName>
+                                        </p:attrNameLst>
+                                      </p:cBhvr>
+                                      <p:tavLst>
+                                        <p:tav tm="0">
+                                          <p:val>
+                                            <p:strVal val="#ppt_y+.1"/>
+                                          </p:val>
+                                        </p:tav>
+                                        <p:tav tm="100000">
+                                          <p:val>
+                                            <p:strVal val="#ppt_y"/>
+                                          </p:val>
+                                        </p:tav>
+                                      </p:tavLst>
+                                    </p:anim>
+                                  </p:childTnLst>
+                                </p:cTn>
+                              </p:par>
+                            </p:childTnLst>
+                          </p:cTn>
+                        </p:par>
+                      </p:childTnLst>
+                    </p:cTn>
+                  </p:par>
+                </p:childTnLst>
+              </p:cTn>
+              <p:prevCondLst>
+                <p:cond evt="onPrev" delay="0">
+                  <p:tgtEl>
+                    <p:sldTgt/>
+                  </p:tgtEl>
+                </p:cond>
+              </p:prevCondLst>
+              <p:nextCondLst>
+                <p:cond evt="onNext" delay="0">
+                  <p:tgtEl>
+                    <p:sldTgt/>
+                  </p:tgtEl>
+                </p:cond>
+              </p:nextCondLst>
+            </p:seq>
+          </p:childTnLst>
+        </p:cTn>
+      </p:par>
+    </p:tnLst>
+  </p:timing>
+</p:sld>
+</file>
+
+<file path=ppt/slides/slide13.xml><?xml version="1.0" encoding="utf-8"?>
+<p:sld xmlns:a="http://schemas.openxmlformats.org/drawingml/2006/main" xmlns:r="http://schemas.openxmlformats.org/officeDocument/2006/relationships" xmlns:p="http://schemas.openxmlformats.org/presentationml/2006/main">
+  <p:cSld>
+    <p:spTree>
+      <p:nvGrpSpPr>
+        <p:cNvPr id="1" name=""/>
+        <p:cNvGrpSpPr/>
+        <p:nvPr/>
+      </p:nvGrpSpPr>
+      <p:grpSpPr>
+        <a:xfrm>
+          <a:off x="0" y="0"/>
+          <a:ext cx="0" cy="0"/>
+          <a:chOff x="0" y="0"/>
+          <a:chExt cx="0" cy="0"/>
+        </a:xfrm>
+      </p:grpSpPr>
+      <p:sp>
+        <p:nvSpPr>
+          <p:cNvPr id="2" name="Title 1"/>
+          <p:cNvSpPr>
+            <a:spLocks noGrp="1"/>
+          </p:cNvSpPr>
+          <p:nvPr>
+            <p:ph type="title"/>
+          </p:nvPr>
+        </p:nvSpPr>
+        <p:spPr/>
+        <p:txBody>
+          <a:bodyPr/>
+          <a:lstStyle/>
+          <a:p>
+            <a:r>
+              <a:rPr lang="en-US" dirty="0" smtClean="0"/>
+              <a:t>Problem 3.</a:t>
+            </a:r>
+            <a:endParaRPr lang="en-US" dirty="0"/>
+          </a:p>
+        </p:txBody>
+      </p:sp>
+      <mc:AlternateContent xmlns:mc="http://schemas.openxmlformats.org/markup-compatibility/2006">
+        <mc:Choice xmlns:a14="http://schemas.microsoft.com/office/drawing/2010/main" Requires="a14">
+          <p:sp>
+            <p:nvSpPr>
+              <p:cNvPr id="3" name="Content Placeholder 2"/>
+              <p:cNvSpPr>
+                <a:spLocks noGrp="1"/>
+              </p:cNvSpPr>
+              <p:nvPr>
+                <p:ph idx="1"/>
+              </p:nvPr>
+            </p:nvSpPr>
+            <p:spPr/>
+            <p:txBody>
+              <a:bodyPr/>
+              <a:lstStyle/>
+              <a:p>
+                <a:r>
+                  <a:rPr lang="en-US" dirty="0" smtClean="0"/>
+                  <a:t>A race car with a mass of 600 kg accelerates from rest to </a:t>
+                </a:r>
+                <a14:m>
+                  <m:oMath xmlns:m="http://schemas.openxmlformats.org/officeDocument/2006/math">
+                    <m:r>
+                      <m:rPr>
+                        <m:sty m:val="p"/>
+                      </m:rPr>
+                      <a:rPr lang="en-US" b="0" i="0" smtClean="0">
+                        <a:latin typeface="Cambria Math" panose="02040503050406030204" pitchFamily="18" charset="0"/>
+                      </a:rPr>
+                      <m:t>the</m:t>
+                    </m:r>
+                    <m:r>
+                      <a:rPr lang="en-US" b="0" i="0" smtClean="0">
+                        <a:latin typeface="Cambria Math" panose="02040503050406030204" pitchFamily="18" charset="0"/>
+                      </a:rPr>
+                      <m:t> </m:t>
+                    </m:r>
+                    <m:r>
+                      <m:rPr>
+                        <m:sty m:val="p"/>
+                      </m:rPr>
+                      <a:rPr lang="en-US" b="0" i="0" smtClean="0">
+                        <a:latin typeface="Cambria Math" panose="02040503050406030204" pitchFamily="18" charset="0"/>
+                      </a:rPr>
+                      <m:t>speed</m:t>
+                    </m:r>
+                    <m:r>
+                      <a:rPr lang="en-US" b="0" i="0" smtClean="0">
+                        <a:latin typeface="Cambria Math" panose="02040503050406030204" pitchFamily="18" charset="0"/>
+                      </a:rPr>
+                      <m:t> </m:t>
+                    </m:r>
+                    <m:r>
+                      <m:rPr>
+                        <m:sty m:val="p"/>
+                      </m:rPr>
+                      <a:rPr lang="en-US" b="0" i="0" smtClean="0">
+                        <a:latin typeface="Cambria Math" panose="02040503050406030204" pitchFamily="18" charset="0"/>
+                      </a:rPr>
+                      <m:t>of</m:t>
+                    </m:r>
+                    <m:r>
+                      <a:rPr lang="en-US" b="0" i="0" smtClean="0">
+                        <a:latin typeface="Cambria Math" panose="02040503050406030204" pitchFamily="18" charset="0"/>
+                      </a:rPr>
+                      <m:t> </m:t>
+                    </m:r>
+                    <m:r>
+                      <a:rPr lang="en-US" b="0" i="1" smtClean="0">
+                        <a:latin typeface="Cambria Math" panose="02040503050406030204" pitchFamily="18" charset="0"/>
+                      </a:rPr>
+                      <m:t>180</m:t>
+                    </m:r>
+                    <m:f>
+                      <m:fPr>
+                        <m:ctrlPr>
+                          <a:rPr lang="en-US" b="0" i="1" smtClean="0">
+                            <a:latin typeface="Cambria Math" panose="02040503050406030204" pitchFamily="18" charset="0"/>
+                          </a:rPr>
+                        </m:ctrlPr>
+                      </m:fPr>
+                      <m:num>
+                        <m:r>
+                          <a:rPr lang="en-US" b="0" i="1" smtClean="0">
+                            <a:latin typeface="Cambria Math" panose="02040503050406030204" pitchFamily="18" charset="0"/>
+                          </a:rPr>
+                          <m:t>𝑘𝑚</m:t>
+                        </m:r>
+                      </m:num>
+                      <m:den>
+                        <m:r>
+                          <a:rPr lang="en-US" b="0" i="1" smtClean="0">
+                            <a:latin typeface="Cambria Math" panose="02040503050406030204" pitchFamily="18" charset="0"/>
+                          </a:rPr>
+                          <m:t>h</m:t>
+                        </m:r>
+                      </m:den>
+                    </m:f>
+                  </m:oMath>
+                </a14:m>
+                <a:r>
+                  <a:rPr lang="en-US" dirty="0" smtClean="0"/>
+                  <a:t> and covers 400 m of distance. Calculate the applied force.</a:t>
+                </a:r>
+                <a:endParaRPr lang="en-US" dirty="0"/>
+              </a:p>
+            </p:txBody>
+          </p:sp>
+        </mc:Choice>
+        <mc:Fallback>
+          <p:sp>
+            <p:nvSpPr>
+              <p:cNvPr id="3" name="Content Placeholder 2"/>
+              <p:cNvSpPr>
+                <a:spLocks noGrp="1" noRot="1" noChangeAspect="1" noMove="1" noResize="1" noEditPoints="1" noAdjustHandles="1" noChangeArrowheads="1" noChangeShapeType="1" noTextEdit="1"/>
+              </p:cNvSpPr>
+              <p:nvPr>
+                <p:ph idx="1"/>
+              </p:nvPr>
+            </p:nvSpPr>
+            <p:spPr>
+              <a:blipFill>
+                <a:blip r:embed="rId2"/>
+                <a:stretch>
+                  <a:fillRect l="-1043" t="-2241"/>
+                </a:stretch>
+              </a:blipFill>
+            </p:spPr>
+            <p:txBody>
+              <a:bodyPr/>
+              <a:lstStyle/>
+              <a:p>
+                <a:r>
+                  <a:rPr lang="en-US">
+                    <a:noFill/>
+                  </a:rPr>
+                  <a:t> </a:t>
+                </a:r>
+              </a:p>
+            </p:txBody>
+          </p:sp>
+        </mc:Fallback>
+      </mc:AlternateContent>
+    </p:spTree>
+    <p:extLst>
+      <p:ext uri="{BB962C8B-B14F-4D97-AF65-F5344CB8AC3E}">
+        <p14:creationId xmlns:p14="http://schemas.microsoft.com/office/powerpoint/2010/main" val="777666432"/>
+      </p:ext>
+    </p:extLst>
+  </p:cSld>
+  <p:clrMapOvr>
+    <a:masterClrMapping/>
+  </p:clrMapOvr>
+  <p:timing>
+    <p:tnLst>
+      <p:par>
+        <p:cTn id="1" dur="indefinite" restart="never" nodeType="tmRoot"/>
+      </p:par>
+    </p:tnLst>
+  </p:timing>
+</p:sld>
+</file>
+
+<file path=ppt/slides/slide14.xml><?xml version="1.0" encoding="utf-8"?>
+<p:sld xmlns:a="http://schemas.openxmlformats.org/drawingml/2006/main" xmlns:r="http://schemas.openxmlformats.org/officeDocument/2006/relationships" xmlns:p="http://schemas.openxmlformats.org/presentationml/2006/main">
+  <p:cSld>
+    <p:spTree>
+      <p:nvGrpSpPr>
+        <p:cNvPr id="1" name=""/>
+        <p:cNvGrpSpPr/>
+        <p:nvPr/>
+      </p:nvGrpSpPr>
+      <p:grpSpPr>
+        <a:xfrm>
+          <a:off x="0" y="0"/>
+          <a:ext cx="0" cy="0"/>
+          <a:chOff x="0" y="0"/>
+          <a:chExt cx="0" cy="0"/>
+        </a:xfrm>
+      </p:grpSpPr>
+      <p:sp>
+        <p:nvSpPr>
+          <p:cNvPr id="2" name="Title 1"/>
+          <p:cNvSpPr>
+            <a:spLocks noGrp="1"/>
+          </p:cNvSpPr>
+          <p:nvPr>
+            <p:ph type="title"/>
+          </p:nvPr>
+        </p:nvSpPr>
+        <p:spPr/>
+        <p:txBody>
+          <a:bodyPr/>
+          <a:lstStyle/>
+          <a:p>
+            <a:r>
+              <a:rPr lang="en-US" dirty="0" smtClean="0"/>
+              <a:t>Problem 4</a:t>
+            </a:r>
+            <a:endParaRPr lang="en-US" dirty="0"/>
+          </a:p>
+        </p:txBody>
+      </p:sp>
+      <mc:AlternateContent xmlns:mc="http://schemas.openxmlformats.org/markup-compatibility/2006">
+        <mc:Choice xmlns:a14="http://schemas.microsoft.com/office/drawing/2010/main" Requires="a14">
+          <p:sp>
+            <p:nvSpPr>
+              <p:cNvPr id="3" name="Content Placeholder 2"/>
+              <p:cNvSpPr>
+                <a:spLocks noGrp="1"/>
+              </p:cNvSpPr>
+              <p:nvPr>
+                <p:ph idx="1"/>
+              </p:nvPr>
+            </p:nvSpPr>
+            <p:spPr/>
+            <p:txBody>
+              <a:bodyPr/>
+              <a:lstStyle/>
+              <a:p>
+                <a:r>
+                  <a:rPr lang="en-US" dirty="0" smtClean="0"/>
+                  <a:t>The mass of a bullet is 50 g, its speed at the moment when it leaves the end of the barrel is </a:t>
+                </a:r>
+                <a14:m>
+                  <m:oMath xmlns:m="http://schemas.openxmlformats.org/officeDocument/2006/math">
+                    <m:r>
+                      <a:rPr lang="en-US" b="0" i="1" smtClean="0">
+                        <a:latin typeface="Cambria Math" panose="02040503050406030204" pitchFamily="18" charset="0"/>
+                      </a:rPr>
+                      <m:t>800</m:t>
+                    </m:r>
+                    <m:f>
+                      <m:fPr>
+                        <m:ctrlPr>
+                          <a:rPr lang="en-US" b="0" i="1" smtClean="0">
+                            <a:latin typeface="Cambria Math" panose="02040503050406030204" pitchFamily="18" charset="0"/>
+                          </a:rPr>
+                        </m:ctrlPr>
+                      </m:fPr>
+                      <m:num>
+                        <m:r>
+                          <a:rPr lang="en-US" b="0" i="1" smtClean="0">
+                            <a:latin typeface="Cambria Math" panose="02040503050406030204" pitchFamily="18" charset="0"/>
+                          </a:rPr>
+                          <m:t>𝑚</m:t>
+                        </m:r>
+                      </m:num>
+                      <m:den>
+                        <m:r>
+                          <a:rPr lang="en-US" b="0" i="1" smtClean="0">
+                            <a:latin typeface="Cambria Math" panose="02040503050406030204" pitchFamily="18" charset="0"/>
+                          </a:rPr>
+                          <m:t>𝑠</m:t>
+                        </m:r>
+                      </m:den>
+                    </m:f>
+                  </m:oMath>
+                </a14:m>
+                <a:r>
+                  <a:rPr lang="en-US" dirty="0" smtClean="0"/>
+                  <a:t>.</a:t>
+                </a:r>
+              </a:p>
+              <a:p>
+                <a:r>
+                  <a:rPr lang="en-US" dirty="0" smtClean="0"/>
+                  <a:t>Find the bullet’s kinetic energy at this moment.</a:t>
+                </a:r>
+              </a:p>
+              <a:p>
+                <a:r>
+                  <a:rPr lang="en-US" dirty="0" smtClean="0"/>
+                  <a:t>Find the average applied force if the length of the barrel is 80 cm.</a:t>
+                </a:r>
+              </a:p>
+              <a:p>
+                <a:r>
+                  <a:rPr lang="en-US" dirty="0" smtClean="0"/>
+                  <a:t>The bullet hurled 40 cm into a tree and stopped there. Find the work of the friction. Find the magnitude of the braking force.</a:t>
+                </a:r>
+                <a:endParaRPr lang="en-US" dirty="0"/>
+              </a:p>
+            </p:txBody>
+          </p:sp>
+        </mc:Choice>
+        <mc:Fallback>
+          <p:sp>
+            <p:nvSpPr>
+              <p:cNvPr id="3" name="Content Placeholder 2"/>
+              <p:cNvSpPr>
+                <a:spLocks noGrp="1" noRot="1" noChangeAspect="1" noMove="1" noResize="1" noEditPoints="1" noAdjustHandles="1" noChangeArrowheads="1" noChangeShapeType="1" noTextEdit="1"/>
+              </p:cNvSpPr>
+              <p:nvPr>
+                <p:ph idx="1"/>
+              </p:nvPr>
+            </p:nvSpPr>
+            <p:spPr>
+              <a:blipFill>
+                <a:blip r:embed="rId2"/>
+                <a:stretch>
+                  <a:fillRect l="-1043" t="-2241" r="-58"/>
+                </a:stretch>
+              </a:blipFill>
+            </p:spPr>
+            <p:txBody>
+              <a:bodyPr/>
+              <a:lstStyle/>
+              <a:p>
+                <a:r>
+                  <a:rPr lang="en-US">
+                    <a:noFill/>
+                  </a:rPr>
+                  <a:t> </a:t>
+                </a:r>
+              </a:p>
+            </p:txBody>
+          </p:sp>
+        </mc:Fallback>
+      </mc:AlternateContent>
+      <p:pic>
+        <p:nvPicPr>
+          <p:cNvPr id="6147" name="Picture 3" descr="KÃ©ptalÃ¡lat a kÃ¶vetkezÅre: âparts of a gunâ"/>
+          <p:cNvPicPr>
+            <a:picLocks noChangeAspect="1" noChangeArrowheads="1"/>
+          </p:cNvPicPr>
+          <p:nvPr/>
+        </p:nvPicPr>
+        <p:blipFill rotWithShape="1">
+          <a:blip r:embed="rId3">
+            <a:extLst>
+              <a:ext uri="{28A0092B-C50C-407E-A947-70E740481C1C}">
+                <a14:useLocalDpi xmlns:a14="http://schemas.microsoft.com/office/drawing/2010/main" val="0"/>
+              </a:ext>
+            </a:extLst>
+          </a:blip>
+          <a:srcRect t="14740"/>
+          <a:stretch/>
+        </p:blipFill>
+        <p:spPr bwMode="auto">
+          <a:xfrm>
+            <a:off x="530043" y="4789713"/>
+            <a:ext cx="6209021" cy="1898469"/>
+          </a:xfrm>
+          <a:prstGeom prst="rect">
+            <a:avLst/>
+          </a:prstGeom>
+          <a:noFill/>
+          <a:extLst>
+            <a:ext uri="{909E8E84-426E-40DD-AFC4-6F175D3DCCD1}">
+              <a14:hiddenFill xmlns:a14="http://schemas.microsoft.com/office/drawing/2010/main">
+                <a:solidFill>
+                  <a:srgbClr val="FFFFFF"/>
+                </a:solidFill>
+              </a14:hiddenFill>
+            </a:ext>
+          </a:extLst>
+        </p:spPr>
+      </p:pic>
+    </p:spTree>
+    <p:extLst>
+      <p:ext uri="{BB962C8B-B14F-4D97-AF65-F5344CB8AC3E}">
+        <p14:creationId xmlns:p14="http://schemas.microsoft.com/office/powerpoint/2010/main" val="2323118771"/>
+      </p:ext>
+    </p:extLst>
+  </p:cSld>
+  <p:clrMapOvr>
+    <a:masterClrMapping/>
+  </p:clrMapOvr>
+  <p:timing>
+    <p:tnLst>
+      <p:par>
+        <p:cTn id="1" dur="indefinite" restart="never" nodeType="tmRoot"/>
+      </p:par>
+    </p:tnLst>
+  </p:timing>
+</p:sld>
+</file>
+
+<file path=ppt/slides/slide15.xml><?xml version="1.0" encoding="utf-8"?>
+<p:sld xmlns:a="http://schemas.openxmlformats.org/drawingml/2006/main" xmlns:r="http://schemas.openxmlformats.org/officeDocument/2006/relationships" xmlns:p="http://schemas.openxmlformats.org/presentationml/2006/main">
+  <p:cSld>
+    <p:spTree>
+      <p:nvGrpSpPr>
+        <p:cNvPr id="1" name=""/>
+        <p:cNvGrpSpPr/>
+        <p:nvPr/>
+      </p:nvGrpSpPr>
+      <p:grpSpPr>
+        <a:xfrm>
+          <a:off x="0" y="0"/>
+          <a:ext cx="0" cy="0"/>
+          <a:chOff x="0" y="0"/>
+          <a:chExt cx="0" cy="0"/>
+        </a:xfrm>
+      </p:grpSpPr>
+      <p:sp>
+        <p:nvSpPr>
+          <p:cNvPr id="2" name="Title 1"/>
+          <p:cNvSpPr>
+            <a:spLocks noGrp="1"/>
+          </p:cNvSpPr>
+          <p:nvPr>
+            <p:ph type="title"/>
+          </p:nvPr>
+        </p:nvSpPr>
+        <p:spPr/>
+        <p:txBody>
+          <a:bodyPr/>
+          <a:lstStyle/>
+          <a:p>
+            <a:r>
+              <a:rPr lang="en-US" dirty="0" smtClean="0"/>
+              <a:t>Elastic potential energy</a:t>
+            </a:r>
+            <a:endParaRPr lang="en-US" dirty="0"/>
+          </a:p>
+        </p:txBody>
+      </p:sp>
+      <mc:AlternateContent xmlns:mc="http://schemas.openxmlformats.org/markup-compatibility/2006">
+        <mc:Choice xmlns:a14="http://schemas.microsoft.com/office/drawing/2010/main" Requires="a14">
+          <p:sp>
+            <p:nvSpPr>
+              <p:cNvPr id="4" name="Content Placeholder 3"/>
+              <p:cNvSpPr>
+                <a:spLocks noGrp="1"/>
+              </p:cNvSpPr>
+              <p:nvPr>
+                <p:ph sz="half" idx="1"/>
+              </p:nvPr>
+            </p:nvSpPr>
+            <p:spPr/>
+            <p:txBody>
+              <a:bodyPr/>
+              <a:lstStyle/>
+              <a:p>
+                <a14:m>
+                  <m:oMath xmlns:m="http://schemas.openxmlformats.org/officeDocument/2006/math">
+                    <m:sSub>
+                      <m:sSubPr>
+                        <m:ctrlPr>
+                          <a:rPr lang="en-US" i="1" smtClean="0">
+                            <a:latin typeface="Cambria Math" panose="02040503050406030204" pitchFamily="18" charset="0"/>
+                          </a:rPr>
+                        </m:ctrlPr>
+                      </m:sSubPr>
+                      <m:e>
+                        <m:r>
+                          <a:rPr lang="en-US" b="0" i="1" smtClean="0">
+                            <a:latin typeface="Cambria Math" panose="02040503050406030204" pitchFamily="18" charset="0"/>
+                          </a:rPr>
+                          <m:t>𝐸</m:t>
+                        </m:r>
+                      </m:e>
+                      <m:sub>
+                        <m:r>
+                          <a:rPr lang="en-US" b="0" i="1" smtClean="0">
+                            <a:latin typeface="Cambria Math" panose="02040503050406030204" pitchFamily="18" charset="0"/>
+                          </a:rPr>
+                          <m:t>𝑒𝑝</m:t>
+                        </m:r>
+                      </m:sub>
+                    </m:sSub>
+                    <m:r>
+                      <a:rPr lang="en-US" b="0" i="1" smtClean="0">
+                        <a:latin typeface="Cambria Math" panose="02040503050406030204" pitchFamily="18" charset="0"/>
+                      </a:rPr>
+                      <m:t>=</m:t>
+                    </m:r>
+                    <m:f>
+                      <m:fPr>
+                        <m:ctrlPr>
+                          <a:rPr lang="en-US" b="0" i="1" smtClean="0">
+                            <a:latin typeface="Cambria Math" panose="02040503050406030204" pitchFamily="18" charset="0"/>
+                          </a:rPr>
+                        </m:ctrlPr>
+                      </m:fPr>
+                      <m:num>
+                        <m:r>
+                          <a:rPr lang="en-US" b="0" i="1" smtClean="0">
+                            <a:latin typeface="Cambria Math" panose="02040503050406030204" pitchFamily="18" charset="0"/>
+                          </a:rPr>
+                          <m:t>1</m:t>
+                        </m:r>
+                      </m:num>
+                      <m:den>
+                        <m:r>
+                          <a:rPr lang="en-US" b="0" i="1" smtClean="0">
+                            <a:latin typeface="Cambria Math" panose="02040503050406030204" pitchFamily="18" charset="0"/>
+                          </a:rPr>
+                          <m:t>2</m:t>
+                        </m:r>
+                      </m:den>
+                    </m:f>
+                    <m:r>
+                      <a:rPr lang="en-US" b="0" i="1" smtClean="0">
+                        <a:latin typeface="Cambria Math" panose="02040503050406030204" pitchFamily="18" charset="0"/>
+                      </a:rPr>
+                      <m:t>𝑘</m:t>
+                    </m:r>
+                    <m:sSup>
+                      <m:sSupPr>
+                        <m:ctrlPr>
+                          <a:rPr lang="en-US" b="0" i="1" smtClean="0">
+                            <a:latin typeface="Cambria Math" panose="02040503050406030204" pitchFamily="18" charset="0"/>
+                          </a:rPr>
+                        </m:ctrlPr>
+                      </m:sSupPr>
+                      <m:e>
+                        <m:r>
+                          <a:rPr lang="en-US" b="0" i="1" smtClean="0">
+                            <a:latin typeface="Cambria Math" panose="02040503050406030204" pitchFamily="18" charset="0"/>
+                          </a:rPr>
+                          <m:t>𝑥</m:t>
+                        </m:r>
+                      </m:e>
+                      <m:sup>
+                        <m:r>
+                          <a:rPr lang="en-US" b="0" i="1" smtClean="0">
+                            <a:latin typeface="Cambria Math" panose="02040503050406030204" pitchFamily="18" charset="0"/>
+                          </a:rPr>
+                          <m:t>2</m:t>
+                        </m:r>
+                      </m:sup>
+                    </m:sSup>
+                  </m:oMath>
+                </a14:m>
+                <a:endParaRPr lang="en-US" dirty="0" smtClean="0"/>
+              </a:p>
+              <a:p>
+                <a:r>
+                  <a:rPr lang="en-US" i="1" dirty="0" smtClean="0"/>
+                  <a:t>k</a:t>
+                </a:r>
+                <a:r>
+                  <a:rPr lang="en-US" dirty="0" smtClean="0"/>
+                  <a:t>: spring constant</a:t>
+                </a:r>
+              </a:p>
+              <a:p>
+                <a:r>
+                  <a:rPr lang="en-US" i="1" dirty="0" smtClean="0"/>
+                  <a:t>x</a:t>
+                </a:r>
+                <a:r>
+                  <a:rPr lang="en-US" dirty="0" smtClean="0"/>
+                  <a:t>: deformation</a:t>
+                </a:r>
+              </a:p>
+              <a:p>
+                <a:r>
+                  <a:rPr lang="en-US" dirty="0" smtClean="0"/>
+                  <a:t>It is equal to the work that is done if we stretch or compress the spring by the length of </a:t>
+                </a:r>
+                <a:r>
+                  <a:rPr lang="en-US" i="1" dirty="0" smtClean="0"/>
+                  <a:t>x</a:t>
+                </a:r>
+                <a:endParaRPr lang="en-US" i="1" dirty="0" smtClean="0"/>
+              </a:p>
+              <a:p>
+                <a:endParaRPr lang="en-US" dirty="0"/>
+              </a:p>
+            </p:txBody>
+          </p:sp>
+        </mc:Choice>
+        <mc:Fallback>
+          <p:sp>
+            <p:nvSpPr>
+              <p:cNvPr id="4" name="Content Placeholder 3"/>
+              <p:cNvSpPr>
+                <a:spLocks noGrp="1" noRot="1" noChangeAspect="1" noMove="1" noResize="1" noEditPoints="1" noAdjustHandles="1" noChangeArrowheads="1" noChangeShapeType="1" noTextEdit="1"/>
+              </p:cNvSpPr>
+              <p:nvPr>
+                <p:ph sz="half" idx="1"/>
+              </p:nvPr>
+            </p:nvSpPr>
+            <p:spPr>
+              <a:blipFill>
+                <a:blip r:embed="rId2"/>
+                <a:stretch>
+                  <a:fillRect l="-2118"/>
+                </a:stretch>
+              </a:blipFill>
+            </p:spPr>
+            <p:txBody>
+              <a:bodyPr/>
+              <a:lstStyle/>
+              <a:p>
+                <a:r>
+                  <a:rPr lang="en-US">
+                    <a:noFill/>
+                  </a:rPr>
+                  <a:t> </a:t>
+                </a:r>
+              </a:p>
+            </p:txBody>
+          </p:sp>
+        </mc:Fallback>
+      </mc:AlternateContent>
+      <p:pic>
+        <p:nvPicPr>
+          <p:cNvPr id="8194" name="Picture 2" descr="http://hyperphysics.phy-astr.gsu.edu/hbase/images/pelas.gif"/>
+          <p:cNvPicPr>
+            <a:picLocks noGrp="1" noChangeAspect="1" noChangeArrowheads="1"/>
+          </p:cNvPicPr>
+          <p:nvPr>
+            <p:ph sz="half" idx="2"/>
+          </p:nvPr>
+        </p:nvPicPr>
+        <p:blipFill>
+          <a:blip r:embed="rId3">
+            <a:extLst>
+              <a:ext uri="{28A0092B-C50C-407E-A947-70E740481C1C}">
+                <a14:useLocalDpi xmlns:a14="http://schemas.microsoft.com/office/drawing/2010/main" val="0"/>
+              </a:ext>
+            </a:extLst>
+          </a:blip>
+          <a:srcRect/>
+          <a:stretch>
+            <a:fillRect/>
+          </a:stretch>
+        </p:blipFill>
+        <p:spPr bwMode="auto">
+          <a:xfrm>
+            <a:off x="6491287" y="1825624"/>
+            <a:ext cx="4900410" cy="3692859"/>
+          </a:xfrm>
+          <a:prstGeom prst="rect">
+            <a:avLst/>
+          </a:prstGeom>
+          <a:noFill/>
+          <a:extLst>
+            <a:ext uri="{909E8E84-426E-40DD-AFC4-6F175D3DCCD1}">
+              <a14:hiddenFill xmlns:a14="http://schemas.microsoft.com/office/drawing/2010/main">
+                <a:solidFill>
+                  <a:srgbClr val="FFFFFF"/>
+                </a:solidFill>
+              </a14:hiddenFill>
+            </a:ext>
+          </a:extLst>
+        </p:spPr>
+      </p:pic>
+    </p:spTree>
+    <p:extLst>
+      <p:ext uri="{BB962C8B-B14F-4D97-AF65-F5344CB8AC3E}">
+        <p14:creationId xmlns:p14="http://schemas.microsoft.com/office/powerpoint/2010/main" val="876690542"/>
+      </p:ext>
+    </p:extLst>
+  </p:cSld>
+  <p:clrMapOvr>
+    <a:masterClrMapping/>
+  </p:clrMapOvr>
+  <p:timing>
+    <p:tnLst>
+      <p:par>
+        <p:cTn id="1" dur="indefinite" restart="never" nodeType="tmRoot">
+          <p:childTnLst>
+            <p:seq concurrent="1" nextAc="seek">
+              <p:cTn id="2" dur="indefinite" nodeType="mainSeq">
+                <p:childTnLst>
+                  <p:par>
+                    <p:cTn id="3" fill="hold">
+                      <p:stCondLst>
+                        <p:cond delay="indefinite"/>
+                      </p:stCondLst>
+                      <p:childTnLst>
+                        <p:par>
+                          <p:cTn id="4" fill="hold">
+                            <p:stCondLst>
+                              <p:cond delay="0"/>
+                            </p:stCondLst>
+                            <p:childTnLst>
+                              <p:par>
+                                <p:cTn id="5" presetID="42" presetClass="entr" presetSubtype="0" fill="hold" nodeType="clickEffect">
+                                  <p:stCondLst>
+                                    <p:cond delay="0"/>
+                                  </p:stCondLst>
+                                  <p:childTnLst>
+                                    <p:set>
+                                      <p:cBhvr>
+                                        <p:cTn id="6" dur="1" fill="hold">
+                                          <p:stCondLst>
+                                            <p:cond delay="0"/>
+                                          </p:stCondLst>
+                                        </p:cTn>
+                                        <p:tgtEl>
+                                          <p:spTgt spid="4">
+                                            <p:txEl>
+                                              <p:pRg st="0" end="0"/>
+                                            </p:txEl>
+                                          </p:spTgt>
+                                        </p:tgtEl>
+                                        <p:attrNameLst>
+                                          <p:attrName>style.visibility</p:attrName>
+                                        </p:attrNameLst>
+                                      </p:cBhvr>
+                                      <p:to>
+                                        <p:strVal val="visible"/>
+                                      </p:to>
+                                    </p:set>
+                                    <p:animEffect transition="in" filter="fade">
+                                      <p:cBhvr>
+                                        <p:cTn id="7" dur="1000"/>
+                                        <p:tgtEl>
+                                          <p:spTgt spid="4">
+                                            <p:txEl>
+                                              <p:pRg st="0" end="0"/>
+                                            </p:txEl>
+                                          </p:spTgt>
+                                        </p:tgtEl>
+                                      </p:cBhvr>
+                                    </p:animEffect>
+                                    <p:anim calcmode="lin" valueType="num">
+                                      <p:cBhvr>
+                                        <p:cTn id="8" dur="1000" fill="hold"/>
+                                        <p:tgtEl>
+                                          <p:spTgt spid="4">
+                                            <p:txEl>
+                                              <p:pRg st="0" end="0"/>
+                                            </p:txEl>
+                                          </p:spTgt>
+                                        </p:tgtEl>
+                                        <p:attrNameLst>
+                                          <p:attrName>ppt_x</p:attrName>
+                                        </p:attrNameLst>
+                                      </p:cBhvr>
+                                      <p:tavLst>
+                                        <p:tav tm="0">
+                                          <p:val>
+                                            <p:strVal val="#ppt_x"/>
+                                          </p:val>
+                                        </p:tav>
+                                        <p:tav tm="100000">
+                                          <p:val>
+                                            <p:strVal val="#ppt_x"/>
+                                          </p:val>
+                                        </p:tav>
+                                      </p:tavLst>
+                                    </p:anim>
+                                    <p:anim calcmode="lin" valueType="num">
+                                      <p:cBhvr>
+                                        <p:cTn id="9" dur="1000" fill="hold"/>
+                                        <p:tgtEl>
+                                          <p:spTgt spid="4">
+                                            <p:txEl>
+                                              <p:pRg st="0" end="0"/>
+                                            </p:txEl>
+                                          </p:spTgt>
+                                        </p:tgtEl>
+                                        <p:attrNameLst>
+                                          <p:attrName>ppt_y</p:attrName>
+                                        </p:attrNameLst>
+                                      </p:cBhvr>
+                                      <p:tavLst>
+                                        <p:tav tm="0">
+                                          <p:val>
+                                            <p:strVal val="#ppt_y+.1"/>
+                                          </p:val>
+                                        </p:tav>
+                                        <p:tav tm="100000">
+                                          <p:val>
+                                            <p:strVal val="#ppt_y"/>
+                                          </p:val>
+                                        </p:tav>
+                                      </p:tavLst>
+                                    </p:anim>
+                                  </p:childTnLst>
+                                </p:cTn>
+                              </p:par>
+                            </p:childTnLst>
+                          </p:cTn>
+                        </p:par>
+                      </p:childTnLst>
+                    </p:cTn>
+                  </p:par>
+                  <p:par>
+                    <p:cTn id="10" fill="hold">
+                      <p:stCondLst>
+                        <p:cond delay="indefinite"/>
+                      </p:stCondLst>
+                      <p:childTnLst>
+                        <p:par>
+                          <p:cTn id="11" fill="hold">
+                            <p:stCondLst>
+                              <p:cond delay="0"/>
+                            </p:stCondLst>
+                            <p:childTnLst>
+                              <p:par>
+                                <p:cTn id="12" presetID="42" presetClass="entr" presetSubtype="0" fill="hold" nodeType="clickEffect">
+                                  <p:stCondLst>
+                                    <p:cond delay="0"/>
+                                  </p:stCondLst>
+                                  <p:childTnLst>
+                                    <p:set>
+                                      <p:cBhvr>
+                                        <p:cTn id="13" dur="1" fill="hold">
+                                          <p:stCondLst>
+                                            <p:cond delay="0"/>
+                                          </p:stCondLst>
+                                        </p:cTn>
+                                        <p:tgtEl>
+                                          <p:spTgt spid="4">
+                                            <p:txEl>
+                                              <p:pRg st="1" end="1"/>
+                                            </p:txEl>
+                                          </p:spTgt>
+                                        </p:tgtEl>
+                                        <p:attrNameLst>
+                                          <p:attrName>style.visibility</p:attrName>
+                                        </p:attrNameLst>
+                                      </p:cBhvr>
+                                      <p:to>
+                                        <p:strVal val="visible"/>
+                                      </p:to>
+                                    </p:set>
+                                    <p:animEffect transition="in" filter="fade">
+                                      <p:cBhvr>
+                                        <p:cTn id="14" dur="1000"/>
+                                        <p:tgtEl>
+                                          <p:spTgt spid="4">
+                                            <p:txEl>
+                                              <p:pRg st="1" end="1"/>
+                                            </p:txEl>
+                                          </p:spTgt>
+                                        </p:tgtEl>
+                                      </p:cBhvr>
+                                    </p:animEffect>
+                                    <p:anim calcmode="lin" valueType="num">
+                                      <p:cBhvr>
+                                        <p:cTn id="15" dur="1000" fill="hold"/>
+                                        <p:tgtEl>
+                                          <p:spTgt spid="4">
+                                            <p:txEl>
+                                              <p:pRg st="1" end="1"/>
+                                            </p:txEl>
+                                          </p:spTgt>
+                                        </p:tgtEl>
+                                        <p:attrNameLst>
+                                          <p:attrName>ppt_x</p:attrName>
+                                        </p:attrNameLst>
+                                      </p:cBhvr>
+                                      <p:tavLst>
+                                        <p:tav tm="0">
+                                          <p:val>
+                                            <p:strVal val="#ppt_x"/>
+                                          </p:val>
+                                        </p:tav>
+                                        <p:tav tm="100000">
+                                          <p:val>
+                                            <p:strVal val="#ppt_x"/>
+                                          </p:val>
+                                        </p:tav>
+                                      </p:tavLst>
+                                    </p:anim>
+                                    <p:anim calcmode="lin" valueType="num">
+                                      <p:cBhvr>
+                                        <p:cTn id="16" dur="1000" fill="hold"/>
+                                        <p:tgtEl>
+                                          <p:spTgt spid="4">
+                                            <p:txEl>
+                                              <p:pRg st="1" end="1"/>
+                                            </p:txEl>
+                                          </p:spTgt>
+                                        </p:tgtEl>
+                                        <p:attrNameLst>
+                                          <p:attrName>ppt_y</p:attrName>
+                                        </p:attrNameLst>
+                                      </p:cBhvr>
+                                      <p:tavLst>
+                                        <p:tav tm="0">
+                                          <p:val>
+                                            <p:strVal val="#ppt_y+.1"/>
+                                          </p:val>
+                                        </p:tav>
+                                        <p:tav tm="100000">
+                                          <p:val>
+                                            <p:strVal val="#ppt_y"/>
+                                          </p:val>
+                                        </p:tav>
+                                      </p:tavLst>
+                                    </p:anim>
+                                  </p:childTnLst>
+                                </p:cTn>
+                              </p:par>
+                            </p:childTnLst>
+                          </p:cTn>
+                        </p:par>
+                      </p:childTnLst>
+                    </p:cTn>
+                  </p:par>
+                  <p:par>
+                    <p:cTn id="17" fill="hold">
+                      <p:stCondLst>
+                        <p:cond delay="indefinite"/>
+                      </p:stCondLst>
+                      <p:childTnLst>
+                        <p:par>
+                          <p:cTn id="18" fill="hold">
+                            <p:stCondLst>
+                              <p:cond delay="0"/>
+                            </p:stCondLst>
+                            <p:childTnLst>
+                              <p:par>
+                                <p:cTn id="19" presetID="42" presetClass="entr" presetSubtype="0" fill="hold" nodeType="clickEffect">
+                                  <p:stCondLst>
+                                    <p:cond delay="0"/>
+                                  </p:stCondLst>
+                                  <p:childTnLst>
+                                    <p:set>
+                                      <p:cBhvr>
+                                        <p:cTn id="20" dur="1" fill="hold">
+                                          <p:stCondLst>
+                                            <p:cond delay="0"/>
+                                          </p:stCondLst>
+                                        </p:cTn>
+                                        <p:tgtEl>
+                                          <p:spTgt spid="4">
+                                            <p:txEl>
+                                              <p:pRg st="2" end="2"/>
+                                            </p:txEl>
+                                          </p:spTgt>
+                                        </p:tgtEl>
+                                        <p:attrNameLst>
+                                          <p:attrName>style.visibility</p:attrName>
+                                        </p:attrNameLst>
+                                      </p:cBhvr>
+                                      <p:to>
+                                        <p:strVal val="visible"/>
+                                      </p:to>
+                                    </p:set>
+                                    <p:animEffect transition="in" filter="fade">
+                                      <p:cBhvr>
+                                        <p:cTn id="21" dur="1000"/>
+                                        <p:tgtEl>
+                                          <p:spTgt spid="4">
+                                            <p:txEl>
+                                              <p:pRg st="2" end="2"/>
+                                            </p:txEl>
+                                          </p:spTgt>
+                                        </p:tgtEl>
+                                      </p:cBhvr>
+                                    </p:animEffect>
+                                    <p:anim calcmode="lin" valueType="num">
+                                      <p:cBhvr>
+                                        <p:cTn id="22" dur="1000" fill="hold"/>
+                                        <p:tgtEl>
+                                          <p:spTgt spid="4">
+                                            <p:txEl>
+                                              <p:pRg st="2" end="2"/>
+                                            </p:txEl>
+                                          </p:spTgt>
+                                        </p:tgtEl>
+                                        <p:attrNameLst>
+                                          <p:attrName>ppt_x</p:attrName>
+                                        </p:attrNameLst>
+                                      </p:cBhvr>
+                                      <p:tavLst>
+                                        <p:tav tm="0">
+                                          <p:val>
+                                            <p:strVal val="#ppt_x"/>
+                                          </p:val>
+                                        </p:tav>
+                                        <p:tav tm="100000">
+                                          <p:val>
+                                            <p:strVal val="#ppt_x"/>
+                                          </p:val>
+                                        </p:tav>
+                                      </p:tavLst>
+                                    </p:anim>
+                                    <p:anim calcmode="lin" valueType="num">
+                                      <p:cBhvr>
+                                        <p:cTn id="23" dur="1000" fill="hold"/>
+                                        <p:tgtEl>
+                                          <p:spTgt spid="4">
+                                            <p:txEl>
+                                              <p:pRg st="2" end="2"/>
+                                            </p:txEl>
+                                          </p:spTgt>
+                                        </p:tgtEl>
+                                        <p:attrNameLst>
+                                          <p:attrName>ppt_y</p:attrName>
+                                        </p:attrNameLst>
+                                      </p:cBhvr>
+                                      <p:tavLst>
+                                        <p:tav tm="0">
+                                          <p:val>
+                                            <p:strVal val="#ppt_y+.1"/>
+                                          </p:val>
+                                        </p:tav>
+                                        <p:tav tm="100000">
+                                          <p:val>
+                                            <p:strVal val="#ppt_y"/>
+                                          </p:val>
+                                        </p:tav>
+                                      </p:tavLst>
+                                    </p:anim>
+                                  </p:childTnLst>
+                                </p:cTn>
+                              </p:par>
+                            </p:childTnLst>
+                          </p:cTn>
+                        </p:par>
+                      </p:childTnLst>
+                    </p:cTn>
+                  </p:par>
+                  <p:par>
+                    <p:cTn id="24" fill="hold">
+                      <p:stCondLst>
+                        <p:cond delay="indefinite"/>
+                      </p:stCondLst>
+                      <p:childTnLst>
+                        <p:par>
+                          <p:cTn id="25" fill="hold">
+                            <p:stCondLst>
+                              <p:cond delay="0"/>
+                            </p:stCondLst>
+                            <p:childTnLst>
+                              <p:par>
+                                <p:cTn id="26" presetID="42" presetClass="entr" presetSubtype="0" fill="hold" nodeType="clickEffect">
+                                  <p:stCondLst>
+                                    <p:cond delay="0"/>
+                                  </p:stCondLst>
+                                  <p:childTnLst>
+                                    <p:set>
+                                      <p:cBhvr>
+                                        <p:cTn id="27" dur="1" fill="hold">
+                                          <p:stCondLst>
+                                            <p:cond delay="0"/>
+                                          </p:stCondLst>
+                                        </p:cTn>
+                                        <p:tgtEl>
+                                          <p:spTgt spid="4">
+                                            <p:txEl>
+                                              <p:pRg st="3" end="3"/>
+                                            </p:txEl>
+                                          </p:spTgt>
+                                        </p:tgtEl>
+                                        <p:attrNameLst>
+                                          <p:attrName>style.visibility</p:attrName>
+                                        </p:attrNameLst>
+                                      </p:cBhvr>
+                                      <p:to>
+                                        <p:strVal val="visible"/>
+                                      </p:to>
+                                    </p:set>
+                                    <p:animEffect transition="in" filter="fade">
+                                      <p:cBhvr>
+                                        <p:cTn id="28" dur="1000"/>
+                                        <p:tgtEl>
+                                          <p:spTgt spid="4">
+                                            <p:txEl>
+                                              <p:pRg st="3" end="3"/>
+                                            </p:txEl>
+                                          </p:spTgt>
+                                        </p:tgtEl>
+                                      </p:cBhvr>
+                                    </p:animEffect>
+                                    <p:anim calcmode="lin" valueType="num">
+                                      <p:cBhvr>
+                                        <p:cTn id="29" dur="1000" fill="hold"/>
+                                        <p:tgtEl>
+                                          <p:spTgt spid="4">
+                                            <p:txEl>
+                                              <p:pRg st="3" end="3"/>
+                                            </p:txEl>
+                                          </p:spTgt>
+                                        </p:tgtEl>
+                                        <p:attrNameLst>
+                                          <p:attrName>ppt_x</p:attrName>
+                                        </p:attrNameLst>
+                                      </p:cBhvr>
+                                      <p:tavLst>
+                                        <p:tav tm="0">
+                                          <p:val>
+                                            <p:strVal val="#ppt_x"/>
+                                          </p:val>
+                                        </p:tav>
+                                        <p:tav tm="100000">
+                                          <p:val>
+                                            <p:strVal val="#ppt_x"/>
+                                          </p:val>
+                                        </p:tav>
+                                      </p:tavLst>
+                                    </p:anim>
+                                    <p:anim calcmode="lin" valueType="num">
+                                      <p:cBhvr>
+                                        <p:cTn id="30" dur="1000" fill="hold"/>
+                                        <p:tgtEl>
+                                          <p:spTgt spid="4">
+                                            <p:txEl>
+                                              <p:pRg st="3" end="3"/>
+                                            </p:txEl>
+                                          </p:spTgt>
+                                        </p:tgtEl>
+                                        <p:attrNameLst>
+                                          <p:attrName>ppt_y</p:attrName>
+                                        </p:attrNameLst>
+                                      </p:cBhvr>
+                                      <p:tavLst>
+                                        <p:tav tm="0">
+                                          <p:val>
+                                            <p:strVal val="#ppt_y+.1"/>
+                                          </p:val>
+                                        </p:tav>
+                                        <p:tav tm="100000">
+                                          <p:val>
+                                            <p:strVal val="#ppt_y"/>
+                                          </p:val>
+                                        </p:tav>
+                                      </p:tavLst>
+                                    </p:anim>
+                                  </p:childTnLst>
+                                </p:cTn>
+                              </p:par>
+                            </p:childTnLst>
+                          </p:cTn>
+                        </p:par>
+                      </p:childTnLst>
+                    </p:cTn>
+                  </p:par>
+                </p:childTnLst>
+              </p:cTn>
+              <p:prevCondLst>
+                <p:cond evt="onPrev" delay="0">
+                  <p:tgtEl>
+                    <p:sldTgt/>
+                  </p:tgtEl>
+                </p:cond>
+              </p:prevCondLst>
+              <p:nextCondLst>
+                <p:cond evt="onNext" delay="0">
+                  <p:tgtEl>
+                    <p:sldTgt/>
+                  </p:tgtEl>
+                </p:cond>
+              </p:nextCondLst>
+            </p:seq>
+          </p:childTnLst>
+        </p:cTn>
+      </p:par>
+    </p:tnLst>
+  </p:timing>
+</p:sld>
+</file>
+
+<file path=ppt/slides/slide16.xml><?xml version="1.0" encoding="utf-8"?>
+<p:sld xmlns:a="http://schemas.openxmlformats.org/drawingml/2006/main" xmlns:r="http://schemas.openxmlformats.org/officeDocument/2006/relationships" xmlns:p="http://schemas.openxmlformats.org/presentationml/2006/main">
+  <p:cSld>
+    <p:spTree>
+      <p:nvGrpSpPr>
+        <p:cNvPr id="1" name=""/>
+        <p:cNvGrpSpPr/>
+        <p:nvPr/>
+      </p:nvGrpSpPr>
+      <p:grpSpPr>
+        <a:xfrm>
+          <a:off x="0" y="0"/>
+          <a:ext cx="0" cy="0"/>
+          <a:chOff x="0" y="0"/>
+          <a:chExt cx="0" cy="0"/>
+        </a:xfrm>
+      </p:grpSpPr>
+      <p:sp>
+        <p:nvSpPr>
+          <p:cNvPr id="2" name="Title 1"/>
+          <p:cNvSpPr>
+            <a:spLocks noGrp="1"/>
+          </p:cNvSpPr>
+          <p:nvPr>
+            <p:ph type="title"/>
+          </p:nvPr>
+        </p:nvSpPr>
+        <p:spPr/>
+        <p:txBody>
+          <a:bodyPr/>
+          <a:lstStyle/>
+          <a:p>
+            <a:r>
+              <a:rPr lang="en-US" dirty="0" smtClean="0"/>
+              <a:t>Problem 5.</a:t>
+            </a:r>
+            <a:endParaRPr lang="en-US" dirty="0"/>
+          </a:p>
+        </p:txBody>
+      </p:sp>
+      <mc:AlternateContent xmlns:mc="http://schemas.openxmlformats.org/markup-compatibility/2006">
+        <mc:Choice xmlns:a14="http://schemas.microsoft.com/office/drawing/2010/main" Requires="a14">
+          <p:sp>
+            <p:nvSpPr>
+              <p:cNvPr id="3" name="Content Placeholder 2"/>
+              <p:cNvSpPr>
+                <a:spLocks noGrp="1"/>
+              </p:cNvSpPr>
+              <p:nvPr>
+                <p:ph idx="1"/>
+              </p:nvPr>
+            </p:nvSpPr>
+            <p:spPr/>
+            <p:txBody>
+              <a:bodyPr/>
+              <a:lstStyle/>
+              <a:p>
+                <a:r>
+                  <a:rPr lang="en-US" dirty="0" smtClean="0"/>
+                  <a:t>Find the elastic potential energy of a spring with a </a:t>
+                </a:r>
+                <a14:m>
+                  <m:oMath xmlns:m="http://schemas.openxmlformats.org/officeDocument/2006/math">
+                    <m:r>
+                      <a:rPr lang="en-US" b="0" i="1" smtClean="0">
+                        <a:latin typeface="Cambria Math" panose="02040503050406030204" pitchFamily="18" charset="0"/>
+                      </a:rPr>
+                      <m:t>500</m:t>
+                    </m:r>
+                    <m:f>
+                      <m:fPr>
+                        <m:ctrlPr>
+                          <a:rPr lang="en-US" b="0" i="1" smtClean="0">
+                            <a:latin typeface="Cambria Math" panose="02040503050406030204" pitchFamily="18" charset="0"/>
+                          </a:rPr>
+                        </m:ctrlPr>
+                      </m:fPr>
+                      <m:num>
+                        <m:r>
+                          <a:rPr lang="en-US" b="0" i="1" smtClean="0">
+                            <a:latin typeface="Cambria Math" panose="02040503050406030204" pitchFamily="18" charset="0"/>
+                          </a:rPr>
+                          <m:t>𝑁</m:t>
+                        </m:r>
+                      </m:num>
+                      <m:den>
+                        <m:r>
+                          <a:rPr lang="en-US" b="0" i="1" smtClean="0">
+                            <a:latin typeface="Cambria Math" panose="02040503050406030204" pitchFamily="18" charset="0"/>
+                          </a:rPr>
+                          <m:t>𝑚</m:t>
+                        </m:r>
+                      </m:den>
+                    </m:f>
+                  </m:oMath>
+                </a14:m>
+                <a:r>
+                  <a:rPr lang="en-US" dirty="0" smtClean="0"/>
+                  <a:t> spring constant if we compress it by 10 cm?</a:t>
+                </a:r>
+                <a:endParaRPr lang="en-US" dirty="0"/>
+              </a:p>
+            </p:txBody>
+          </p:sp>
+        </mc:Choice>
+        <mc:Fallback>
+          <p:sp>
+            <p:nvSpPr>
+              <p:cNvPr id="3" name="Content Placeholder 2"/>
+              <p:cNvSpPr>
+                <a:spLocks noGrp="1" noRot="1" noChangeAspect="1" noMove="1" noResize="1" noEditPoints="1" noAdjustHandles="1" noChangeArrowheads="1" noChangeShapeType="1" noTextEdit="1"/>
+              </p:cNvSpPr>
+              <p:nvPr>
+                <p:ph idx="1"/>
+              </p:nvPr>
+            </p:nvSpPr>
+            <p:spPr>
+              <a:blipFill>
+                <a:blip r:embed="rId2"/>
+                <a:stretch>
+                  <a:fillRect l="-1043" t="-280"/>
+                </a:stretch>
+              </a:blipFill>
+            </p:spPr>
+            <p:txBody>
+              <a:bodyPr/>
+              <a:lstStyle/>
+              <a:p>
+                <a:r>
+                  <a:rPr lang="en-US">
+                    <a:noFill/>
+                  </a:rPr>
+                  <a:t> </a:t>
+                </a:r>
+              </a:p>
+            </p:txBody>
+          </p:sp>
+        </mc:Fallback>
+      </mc:AlternateContent>
+    </p:spTree>
+    <p:extLst>
+      <p:ext uri="{BB962C8B-B14F-4D97-AF65-F5344CB8AC3E}">
+        <p14:creationId xmlns:p14="http://schemas.microsoft.com/office/powerpoint/2010/main" val="3079067039"/>
+      </p:ext>
+    </p:extLst>
+  </p:cSld>
+  <p:clrMapOvr>
+    <a:masterClrMapping/>
+  </p:clrMapOvr>
+  <p:timing>
+    <p:tnLst>
+      <p:par>
+        <p:cTn id="1" dur="indefinite" restart="never" nodeType="tmRoot"/>
+      </p:par>
+    </p:tnLst>
+  </p:timing>
+</p:sld>
+</file>
+
+<file path=ppt/slides/slide17.xml><?xml version="1.0" encoding="utf-8"?>
+<p:sld xmlns:a="http://schemas.openxmlformats.org/drawingml/2006/main" xmlns:r="http://schemas.openxmlformats.org/officeDocument/2006/relationships" xmlns:p="http://schemas.openxmlformats.org/presentationml/2006/main">
+  <p:cSld>
+    <p:spTree>
+      <p:nvGrpSpPr>
+        <p:cNvPr id="1" name=""/>
+        <p:cNvGrpSpPr/>
+        <p:nvPr/>
+      </p:nvGrpSpPr>
+      <p:grpSpPr>
+        <a:xfrm>
+          <a:off x="0" y="0"/>
+          <a:ext cx="0" cy="0"/>
+          <a:chOff x="0" y="0"/>
+          <a:chExt cx="0" cy="0"/>
+        </a:xfrm>
+      </p:grpSpPr>
+      <p:sp>
+        <p:nvSpPr>
+          <p:cNvPr id="2" name="Title 1"/>
+          <p:cNvSpPr>
+            <a:spLocks noGrp="1"/>
+          </p:cNvSpPr>
+          <p:nvPr>
+            <p:ph type="title"/>
+          </p:nvPr>
+        </p:nvSpPr>
+        <p:spPr/>
+        <p:txBody>
+          <a:bodyPr/>
+          <a:lstStyle/>
+          <a:p>
+            <a:r>
+              <a:rPr lang="en-US" dirty="0" smtClean="0"/>
+              <a:t>Principle of conservation of energy</a:t>
+            </a:r>
+            <a:endParaRPr lang="en-US" dirty="0"/>
+          </a:p>
+        </p:txBody>
+      </p:sp>
+      <mc:AlternateContent xmlns:mc="http://schemas.openxmlformats.org/markup-compatibility/2006">
+        <mc:Choice xmlns:a14="http://schemas.microsoft.com/office/drawing/2010/main" Requires="a14">
+          <p:sp>
+            <p:nvSpPr>
+              <p:cNvPr id="3" name="Content Placeholder 2"/>
+              <p:cNvSpPr>
+                <a:spLocks noGrp="1"/>
+              </p:cNvSpPr>
+              <p:nvPr>
+                <p:ph idx="1"/>
+              </p:nvPr>
+            </p:nvSpPr>
+            <p:spPr/>
+            <p:txBody>
+              <a:bodyPr/>
+              <a:lstStyle/>
+              <a:p>
+                <a:r>
+                  <a:rPr lang="en-US" dirty="0" smtClean="0"/>
+                  <a:t>The total energy of an isolated system remains constant</a:t>
+                </a:r>
+              </a:p>
+              <a:p>
+                <a:r>
+                  <a:rPr lang="en-US" dirty="0" smtClean="0"/>
+                  <a:t>The energy is conserved over time</a:t>
+                </a:r>
+              </a:p>
+              <a:p>
+                <a:r>
+                  <a:rPr lang="en-US" dirty="0" smtClean="0"/>
+                  <a:t>Energy can neither be created nor destroyed  only transformed from one form to another</a:t>
+                </a:r>
+              </a:p>
+              <a:p>
+                <a:pPr lvl="1"/>
+                <a:r>
+                  <a:rPr lang="en-US" dirty="0" smtClean="0"/>
+                  <a:t>Dynamite explodes</a:t>
+                </a:r>
+              </a:p>
+              <a:p>
+                <a:pPr lvl="2"/>
+                <a:r>
+                  <a:rPr lang="en-US" dirty="0" smtClean="0"/>
+                  <a:t>Chemical energy</a:t>
+                </a:r>
+                <a14:m>
+                  <m:oMath xmlns:m="http://schemas.openxmlformats.org/officeDocument/2006/math">
+                    <m:r>
+                      <a:rPr lang="en-US" i="1" smtClean="0">
+                        <a:latin typeface="Cambria Math" panose="02040503050406030204" pitchFamily="18" charset="0"/>
+                        <a:ea typeface="Cambria Math" panose="02040503050406030204" pitchFamily="18" charset="0"/>
+                      </a:rPr>
+                      <m:t>→</m:t>
+                    </m:r>
+                  </m:oMath>
+                </a14:m>
+                <a:r>
+                  <a:rPr lang="en-US" dirty="0" smtClean="0"/>
+                  <a:t> kinetic energy</a:t>
+                </a:r>
+              </a:p>
+              <a:p>
+                <a:pPr marL="914400" lvl="2" indent="0">
+                  <a:buNone/>
+                </a:pPr>
+                <a:endParaRPr lang="en-US" dirty="0" smtClean="0"/>
+              </a:p>
+            </p:txBody>
+          </p:sp>
+        </mc:Choice>
+        <mc:Fallback>
+          <p:sp>
+            <p:nvSpPr>
+              <p:cNvPr id="3" name="Content Placeholder 2"/>
+              <p:cNvSpPr>
+                <a:spLocks noGrp="1" noRot="1" noChangeAspect="1" noMove="1" noResize="1" noEditPoints="1" noAdjustHandles="1" noChangeArrowheads="1" noChangeShapeType="1" noTextEdit="1"/>
+              </p:cNvSpPr>
+              <p:nvPr>
+                <p:ph idx="1"/>
+              </p:nvPr>
+            </p:nvSpPr>
+            <p:spPr>
+              <a:blipFill>
+                <a:blip r:embed="rId2"/>
+                <a:stretch>
+                  <a:fillRect l="-1043" t="-2241"/>
+                </a:stretch>
+              </a:blipFill>
+            </p:spPr>
+            <p:txBody>
+              <a:bodyPr/>
+              <a:lstStyle/>
+              <a:p>
+                <a:r>
+                  <a:rPr lang="en-US">
+                    <a:noFill/>
+                  </a:rPr>
+                  <a:t> </a:t>
+                </a:r>
+              </a:p>
+            </p:txBody>
+          </p:sp>
+        </mc:Fallback>
+      </mc:AlternateContent>
+    </p:spTree>
+    <p:extLst>
+      <p:ext uri="{BB962C8B-B14F-4D97-AF65-F5344CB8AC3E}">
+        <p14:creationId xmlns:p14="http://schemas.microsoft.com/office/powerpoint/2010/main" val="4231181963"/>
+      </p:ext>
+    </p:extLst>
+  </p:cSld>
+  <p:clrMapOvr>
+    <a:masterClrMapping/>
+  </p:clrMapOvr>
+  <p:timing>
+    <p:tnLst>
+      <p:par>
+        <p:cTn id="1" dur="indefinite" restart="never" nodeType="tmRoot">
+          <p:childTnLst>
+            <p:seq concurrent="1" nextAc="seek">
+              <p:cTn id="2" dur="indefinite" nodeType="mainSeq">
+                <p:childTnLst>
+                  <p:par>
+                    <p:cTn id="3" fill="hold">
+                      <p:stCondLst>
+                        <p:cond delay="indefinite"/>
+                      </p:stCondLst>
+                      <p:childTnLst>
+                        <p:par>
+                          <p:cTn id="4" fill="hold">
+                            <p:stCondLst>
+                              <p:cond delay="0"/>
+                            </p:stCondLst>
+                            <p:childTnLst>
+                              <p:par>
+                                <p:cTn id="5" presetID="42" presetClass="entr" presetSubtype="0" fill="hold" nodeType="clickEffect">
+                                  <p:stCondLst>
+                                    <p:cond delay="0"/>
+                                  </p:stCondLst>
+                                  <p:childTnLst>
+                                    <p:set>
+                                      <p:cBhvr>
+                                        <p:cTn id="6" dur="1" fill="hold">
+                                          <p:stCondLst>
+                                            <p:cond delay="0"/>
+                                          </p:stCondLst>
+                                        </p:cTn>
+                                        <p:tgtEl>
+                                          <p:spTgt spid="3">
+                                            <p:txEl>
+                                              <p:pRg st="0" end="0"/>
+                                            </p:txEl>
+                                          </p:spTgt>
+                                        </p:tgtEl>
+                                        <p:attrNameLst>
+                                          <p:attrName>style.visibility</p:attrName>
+                                        </p:attrNameLst>
+                                      </p:cBhvr>
+                                      <p:to>
+                                        <p:strVal val="visible"/>
+                                      </p:to>
+                                    </p:set>
+                                    <p:animEffect transition="in" filter="fade">
+                                      <p:cBhvr>
+                                        <p:cTn id="7" dur="1000"/>
+                                        <p:tgtEl>
+                                          <p:spTgt spid="3">
+                                            <p:txEl>
+                                              <p:pRg st="0" end="0"/>
+                                            </p:txEl>
+                                          </p:spTgt>
+                                        </p:tgtEl>
+                                      </p:cBhvr>
+                                    </p:animEffect>
+                                    <p:anim calcmode="lin" valueType="num">
+                                      <p:cBhvr>
+                                        <p:cTn id="8" dur="1000" fill="hold"/>
+                                        <p:tgtEl>
+                                          <p:spTgt spid="3">
+                                            <p:txEl>
+                                              <p:pRg st="0" end="0"/>
+                                            </p:txEl>
+                                          </p:spTgt>
+                                        </p:tgtEl>
+                                        <p:attrNameLst>
+                                          <p:attrName>ppt_x</p:attrName>
+                                        </p:attrNameLst>
+                                      </p:cBhvr>
+                                      <p:tavLst>
+                                        <p:tav tm="0">
+                                          <p:val>
+                                            <p:strVal val="#ppt_x"/>
+                                          </p:val>
+                                        </p:tav>
+                                        <p:tav tm="100000">
+                                          <p:val>
+                                            <p:strVal val="#ppt_x"/>
+                                          </p:val>
+                                        </p:tav>
+                                      </p:tavLst>
+                                    </p:anim>
+                                    <p:anim calcmode="lin" valueType="num">
+                                      <p:cBhvr>
+                                        <p:cTn id="9" dur="1000" fill="hold"/>
+                                        <p:tgtEl>
+                                          <p:spTgt spid="3">
+                                            <p:txEl>
+                                              <p:pRg st="0" end="0"/>
+                                            </p:txEl>
+                                          </p:spTgt>
+                                        </p:tgtEl>
+                                        <p:attrNameLst>
+                                          <p:attrName>ppt_y</p:attrName>
+                                        </p:attrNameLst>
+                                      </p:cBhvr>
+                                      <p:tavLst>
+                                        <p:tav tm="0">
+                                          <p:val>
+                                            <p:strVal val="#ppt_y+.1"/>
+                                          </p:val>
+                                        </p:tav>
+                                        <p:tav tm="100000">
+                                          <p:val>
+                                            <p:strVal val="#ppt_y"/>
+                                          </p:val>
+                                        </p:tav>
+                                      </p:tavLst>
+                                    </p:anim>
+                                  </p:childTnLst>
+                                </p:cTn>
+                              </p:par>
+                            </p:childTnLst>
+                          </p:cTn>
+                        </p:par>
+                      </p:childTnLst>
+                    </p:cTn>
+                  </p:par>
+                  <p:par>
+                    <p:cTn id="10" fill="hold">
+                      <p:stCondLst>
+                        <p:cond delay="indefinite"/>
+                      </p:stCondLst>
+                      <p:childTnLst>
+                        <p:par>
+                          <p:cTn id="11" fill="hold">
+                            <p:stCondLst>
+                              <p:cond delay="0"/>
+                            </p:stCondLst>
+                            <p:childTnLst>
+                              <p:par>
+                                <p:cTn id="12" presetID="42" presetClass="entr" presetSubtype="0" fill="hold" nodeType="clickEffect">
+                                  <p:stCondLst>
+                                    <p:cond delay="0"/>
+                                  </p:stCondLst>
+                                  <p:childTnLst>
+                                    <p:set>
+                                      <p:cBhvr>
+                                        <p:cTn id="13" dur="1" fill="hold">
+                                          <p:stCondLst>
+                                            <p:cond delay="0"/>
+                                          </p:stCondLst>
+                                        </p:cTn>
+                                        <p:tgtEl>
+                                          <p:spTgt spid="3">
+                                            <p:txEl>
+                                              <p:pRg st="1" end="1"/>
+                                            </p:txEl>
+                                          </p:spTgt>
+                                        </p:tgtEl>
+                                        <p:attrNameLst>
+                                          <p:attrName>style.visibility</p:attrName>
+                                        </p:attrNameLst>
+                                      </p:cBhvr>
+                                      <p:to>
+                                        <p:strVal val="visible"/>
+                                      </p:to>
+                                    </p:set>
+                                    <p:animEffect transition="in" filter="fade">
+                                      <p:cBhvr>
+                                        <p:cTn id="14" dur="1000"/>
+                                        <p:tgtEl>
+                                          <p:spTgt spid="3">
+                                            <p:txEl>
+                                              <p:pRg st="1" end="1"/>
+                                            </p:txEl>
+                                          </p:spTgt>
+                                        </p:tgtEl>
+                                      </p:cBhvr>
+                                    </p:animEffect>
+                                    <p:anim calcmode="lin" valueType="num">
+                                      <p:cBhvr>
+                                        <p:cTn id="15" dur="1000" fill="hold"/>
+                                        <p:tgtEl>
+                                          <p:spTgt spid="3">
+                                            <p:txEl>
+                                              <p:pRg st="1" end="1"/>
+                                            </p:txEl>
+                                          </p:spTgt>
+                                        </p:tgtEl>
+                                        <p:attrNameLst>
+                                          <p:attrName>ppt_x</p:attrName>
+                                        </p:attrNameLst>
+                                      </p:cBhvr>
+                                      <p:tavLst>
+                                        <p:tav tm="0">
+                                          <p:val>
+                                            <p:strVal val="#ppt_x"/>
+                                          </p:val>
+                                        </p:tav>
+                                        <p:tav tm="100000">
+                                          <p:val>
+                                            <p:strVal val="#ppt_x"/>
+                                          </p:val>
+                                        </p:tav>
+                                      </p:tavLst>
+                                    </p:anim>
+                                    <p:anim calcmode="lin" valueType="num">
+                                      <p:cBhvr>
+                                        <p:cTn id="16" dur="1000" fill="hold"/>
+                                        <p:tgtEl>
+                                          <p:spTgt spid="3">
+                                            <p:txEl>
+                                              <p:pRg st="1" end="1"/>
+                                            </p:txEl>
+                                          </p:spTgt>
+                                        </p:tgtEl>
+                                        <p:attrNameLst>
+                                          <p:attrName>ppt_y</p:attrName>
+                                        </p:attrNameLst>
+                                      </p:cBhvr>
+                                      <p:tavLst>
+                                        <p:tav tm="0">
+                                          <p:val>
+                                            <p:strVal val="#ppt_y+.1"/>
+                                          </p:val>
+                                        </p:tav>
+                                        <p:tav tm="100000">
+                                          <p:val>
+                                            <p:strVal val="#ppt_y"/>
+                                          </p:val>
+                                        </p:tav>
+                                      </p:tavLst>
+                                    </p:anim>
+                                  </p:childTnLst>
+                                </p:cTn>
+                              </p:par>
+                            </p:childTnLst>
+                          </p:cTn>
+                        </p:par>
+                      </p:childTnLst>
+                    </p:cTn>
+                  </p:par>
+                  <p:par>
+                    <p:cTn id="17" fill="hold">
+                      <p:stCondLst>
+                        <p:cond delay="indefinite"/>
+                      </p:stCondLst>
+                      <p:childTnLst>
+                        <p:par>
+                          <p:cTn id="18" fill="hold">
+                            <p:stCondLst>
+                              <p:cond delay="0"/>
+                            </p:stCondLst>
+                            <p:childTnLst>
+                              <p:par>
+                                <p:cTn id="19" presetID="42" presetClass="entr" presetSubtype="0" fill="hold" nodeType="clickEffect">
+                                  <p:stCondLst>
+                                    <p:cond delay="0"/>
+                                  </p:stCondLst>
+                                  <p:childTnLst>
+                                    <p:set>
+                                      <p:cBhvr>
+                                        <p:cTn id="20" dur="1" fill="hold">
+                                          <p:stCondLst>
+                                            <p:cond delay="0"/>
+                                          </p:stCondLst>
+                                        </p:cTn>
+                                        <p:tgtEl>
+                                          <p:spTgt spid="3">
+                                            <p:txEl>
+                                              <p:pRg st="2" end="2"/>
+                                            </p:txEl>
+                                          </p:spTgt>
+                                        </p:tgtEl>
+                                        <p:attrNameLst>
+                                          <p:attrName>style.visibility</p:attrName>
+                                        </p:attrNameLst>
+                                      </p:cBhvr>
+                                      <p:to>
+                                        <p:strVal val="visible"/>
+                                      </p:to>
+                                    </p:set>
+                                    <p:animEffect transition="in" filter="fade">
+                                      <p:cBhvr>
+                                        <p:cTn id="21" dur="1000"/>
+                                        <p:tgtEl>
+                                          <p:spTgt spid="3">
+                                            <p:txEl>
+                                              <p:pRg st="2" end="2"/>
+                                            </p:txEl>
+                                          </p:spTgt>
+                                        </p:tgtEl>
+                                      </p:cBhvr>
+                                    </p:animEffect>
+                                    <p:anim calcmode="lin" valueType="num">
+                                      <p:cBhvr>
+                                        <p:cTn id="22" dur="1000" fill="hold"/>
+                                        <p:tgtEl>
+                                          <p:spTgt spid="3">
+                                            <p:txEl>
+                                              <p:pRg st="2" end="2"/>
+                                            </p:txEl>
+                                          </p:spTgt>
+                                        </p:tgtEl>
+                                        <p:attrNameLst>
+                                          <p:attrName>ppt_x</p:attrName>
+                                        </p:attrNameLst>
+                                      </p:cBhvr>
+                                      <p:tavLst>
+                                        <p:tav tm="0">
+                                          <p:val>
+                                            <p:strVal val="#ppt_x"/>
+                                          </p:val>
+                                        </p:tav>
+                                        <p:tav tm="100000">
+                                          <p:val>
+                                            <p:strVal val="#ppt_x"/>
+                                          </p:val>
+                                        </p:tav>
+                                      </p:tavLst>
+                                    </p:anim>
+                                    <p:anim calcmode="lin" valueType="num">
+                                      <p:cBhvr>
+                                        <p:cTn id="23" dur="1000" fill="hold"/>
+                                        <p:tgtEl>
+                                          <p:spTgt spid="3">
+                                            <p:txEl>
+                                              <p:pRg st="2" end="2"/>
+                                            </p:txEl>
+                                          </p:spTgt>
+                                        </p:tgtEl>
+                                        <p:attrNameLst>
+                                          <p:attrName>ppt_y</p:attrName>
+                                        </p:attrNameLst>
+                                      </p:cBhvr>
+                                      <p:tavLst>
+                                        <p:tav tm="0">
+                                          <p:val>
+                                            <p:strVal val="#ppt_y+.1"/>
+                                          </p:val>
+                                        </p:tav>
+                                        <p:tav tm="100000">
+                                          <p:val>
+                                            <p:strVal val="#ppt_y"/>
+                                          </p:val>
+                                        </p:tav>
+                                      </p:tavLst>
+                                    </p:anim>
+                                  </p:childTnLst>
+                                </p:cTn>
+                              </p:par>
+                            </p:childTnLst>
+                          </p:cTn>
+                        </p:par>
+                      </p:childTnLst>
+                    </p:cTn>
+                  </p:par>
+                  <p:par>
+                    <p:cTn id="24" fill="hold">
+                      <p:stCondLst>
+                        <p:cond delay="indefinite"/>
+                      </p:stCondLst>
+                      <p:childTnLst>
+                        <p:par>
+                          <p:cTn id="25" fill="hold">
+                            <p:stCondLst>
+                              <p:cond delay="0"/>
+                            </p:stCondLst>
+                            <p:childTnLst>
+                              <p:par>
+                                <p:cTn id="26" presetID="42" presetClass="entr" presetSubtype="0" fill="hold" nodeType="clickEffect">
+                                  <p:stCondLst>
+                                    <p:cond delay="0"/>
+                                  </p:stCondLst>
+                                  <p:childTnLst>
+                                    <p:set>
+                                      <p:cBhvr>
+                                        <p:cTn id="27" dur="1" fill="hold">
+                                          <p:stCondLst>
+                                            <p:cond delay="0"/>
+                                          </p:stCondLst>
+                                        </p:cTn>
+                                        <p:tgtEl>
+                                          <p:spTgt spid="3">
+                                            <p:txEl>
+                                              <p:pRg st="3" end="3"/>
+                                            </p:txEl>
+                                          </p:spTgt>
+                                        </p:tgtEl>
+                                        <p:attrNameLst>
+                                          <p:attrName>style.visibility</p:attrName>
+                                        </p:attrNameLst>
+                                      </p:cBhvr>
+                                      <p:to>
+                                        <p:strVal val="visible"/>
+                                      </p:to>
+                                    </p:set>
+                                    <p:animEffect transition="in" filter="fade">
+                                      <p:cBhvr>
+                                        <p:cTn id="28" dur="1000"/>
+                                        <p:tgtEl>
+                                          <p:spTgt spid="3">
+                                            <p:txEl>
+                                              <p:pRg st="3" end="3"/>
+                                            </p:txEl>
+                                          </p:spTgt>
+                                        </p:tgtEl>
+                                      </p:cBhvr>
+                                    </p:animEffect>
+                                    <p:anim calcmode="lin" valueType="num">
+                                      <p:cBhvr>
+                                        <p:cTn id="29" dur="1000" fill="hold"/>
+                                        <p:tgtEl>
+                                          <p:spTgt spid="3">
+                                            <p:txEl>
+                                              <p:pRg st="3" end="3"/>
+                                            </p:txEl>
+                                          </p:spTgt>
+                                        </p:tgtEl>
+                                        <p:attrNameLst>
+                                          <p:attrName>ppt_x</p:attrName>
+                                        </p:attrNameLst>
+                                      </p:cBhvr>
+                                      <p:tavLst>
+                                        <p:tav tm="0">
+                                          <p:val>
+                                            <p:strVal val="#ppt_x"/>
+                                          </p:val>
+                                        </p:tav>
+                                        <p:tav tm="100000">
+                                          <p:val>
+                                            <p:strVal val="#ppt_x"/>
+                                          </p:val>
+                                        </p:tav>
+                                      </p:tavLst>
+                                    </p:anim>
+                                    <p:anim calcmode="lin" valueType="num">
+                                      <p:cBhvr>
+                                        <p:cTn id="30" dur="1000" fill="hold"/>
+                                        <p:tgtEl>
+                                          <p:spTgt spid="3">
+                                            <p:txEl>
+                                              <p:pRg st="3" end="3"/>
+                                            </p:txEl>
+                                          </p:spTgt>
+                                        </p:tgtEl>
+                                        <p:attrNameLst>
+                                          <p:attrName>ppt_y</p:attrName>
+                                        </p:attrNameLst>
+                                      </p:cBhvr>
+                                      <p:tavLst>
+                                        <p:tav tm="0">
+                                          <p:val>
+                                            <p:strVal val="#ppt_y+.1"/>
+                                          </p:val>
+                                        </p:tav>
+                                        <p:tav tm="100000">
+                                          <p:val>
+                                            <p:strVal val="#ppt_y"/>
+                                          </p:val>
+                                        </p:tav>
+                                      </p:tavLst>
+                                    </p:anim>
+                                  </p:childTnLst>
+                                </p:cTn>
+                              </p:par>
+                            </p:childTnLst>
+                          </p:cTn>
+                        </p:par>
+                      </p:childTnLst>
+                    </p:cTn>
+                  </p:par>
+                  <p:par>
+                    <p:cTn id="31" fill="hold">
+                      <p:stCondLst>
+                        <p:cond delay="indefinite"/>
+                      </p:stCondLst>
+                      <p:childTnLst>
+                        <p:par>
+                          <p:cTn id="32" fill="hold">
+                            <p:stCondLst>
+                              <p:cond delay="0"/>
+                            </p:stCondLst>
+                            <p:childTnLst>
+                              <p:par>
+                                <p:cTn id="33" presetID="42" presetClass="entr" presetSubtype="0" fill="hold" nodeType="clickEffect">
+                                  <p:stCondLst>
+                                    <p:cond delay="0"/>
+                                  </p:stCondLst>
+                                  <p:childTnLst>
+                                    <p:set>
+                                      <p:cBhvr>
+                                        <p:cTn id="34" dur="1" fill="hold">
+                                          <p:stCondLst>
+                                            <p:cond delay="0"/>
+                                          </p:stCondLst>
+                                        </p:cTn>
+                                        <p:tgtEl>
+                                          <p:spTgt spid="3">
+                                            <p:txEl>
+                                              <p:pRg st="4" end="4"/>
+                                            </p:txEl>
+                                          </p:spTgt>
+                                        </p:tgtEl>
+                                        <p:attrNameLst>
+                                          <p:attrName>style.visibility</p:attrName>
+                                        </p:attrNameLst>
+                                      </p:cBhvr>
+                                      <p:to>
+                                        <p:strVal val="visible"/>
+                                      </p:to>
+                                    </p:set>
+                                    <p:animEffect transition="in" filter="fade">
+                                      <p:cBhvr>
+                                        <p:cTn id="35" dur="1000"/>
+                                        <p:tgtEl>
+                                          <p:spTgt spid="3">
+                                            <p:txEl>
+                                              <p:pRg st="4" end="4"/>
+                                            </p:txEl>
+                                          </p:spTgt>
+                                        </p:tgtEl>
+                                      </p:cBhvr>
+                                    </p:animEffect>
+                                    <p:anim calcmode="lin" valueType="num">
+                                      <p:cBhvr>
+                                        <p:cTn id="36" dur="1000" fill="hold"/>
+                                        <p:tgtEl>
+                                          <p:spTgt spid="3">
+                                            <p:txEl>
+                                              <p:pRg st="4" end="4"/>
+                                            </p:txEl>
+                                          </p:spTgt>
+                                        </p:tgtEl>
+                                        <p:attrNameLst>
+                                          <p:attrName>ppt_x</p:attrName>
+                                        </p:attrNameLst>
+                                      </p:cBhvr>
+                                      <p:tavLst>
+                                        <p:tav tm="0">
+                                          <p:val>
+                                            <p:strVal val="#ppt_x"/>
+                                          </p:val>
+                                        </p:tav>
+                                        <p:tav tm="100000">
+                                          <p:val>
+                                            <p:strVal val="#ppt_x"/>
+                                          </p:val>
+                                        </p:tav>
+                                      </p:tavLst>
+                                    </p:anim>
+                                    <p:anim calcmode="lin" valueType="num">
+                                      <p:cBhvr>
+                                        <p:cTn id="37" dur="1000" fill="hold"/>
+                                        <p:tgtEl>
+                                          <p:spTgt spid="3">
+                                            <p:txEl>
+                                              <p:pRg st="4" end="4"/>
+                                            </p:txEl>
+                                          </p:spTgt>
+                                        </p:tgtEl>
+                                        <p:attrNameLst>
+                                          <p:attrName>ppt_y</p:attrName>
+                                        </p:attrNameLst>
+                                      </p:cBhvr>
+                                      <p:tavLst>
+                                        <p:tav tm="0">
+                                          <p:val>
+                                            <p:strVal val="#ppt_y+.1"/>
+                                          </p:val>
+                                        </p:tav>
+                                        <p:tav tm="100000">
+                                          <p:val>
+                                            <p:strVal val="#ppt_y"/>
+                                          </p:val>
+                                        </p:tav>
+                                      </p:tavLst>
+                                    </p:anim>
+                                  </p:childTnLst>
+                                </p:cTn>
+                              </p:par>
+                            </p:childTnLst>
+                          </p:cTn>
+                        </p:par>
+                      </p:childTnLst>
+                    </p:cTn>
+                  </p:par>
+                </p:childTnLst>
+              </p:cTn>
+              <p:prevCondLst>
+                <p:cond evt="onPrev" delay="0">
+                  <p:tgtEl>
+                    <p:sldTgt/>
+                  </p:tgtEl>
+                </p:cond>
+              </p:prevCondLst>
+              <p:nextCondLst>
+                <p:cond evt="onNext" delay="0">
+                  <p:tgtEl>
+                    <p:sldTgt/>
+                  </p:tgtEl>
+                </p:cond>
+              </p:nextCondLst>
+            </p:seq>
+          </p:childTnLst>
+        </p:cTn>
+      </p:par>
+    </p:tnLst>
+  </p:timing>
+</p:sld>
+</file>
+
+<file path=ppt/slides/slide18.xml><?xml version="1.0" encoding="utf-8"?>
+<p:sld xmlns:a="http://schemas.openxmlformats.org/drawingml/2006/main" xmlns:r="http://schemas.openxmlformats.org/officeDocument/2006/relationships" xmlns:p="http://schemas.openxmlformats.org/presentationml/2006/main">
+  <p:cSld>
+    <p:spTree>
+      <p:nvGrpSpPr>
+        <p:cNvPr id="1" name=""/>
+        <p:cNvGrpSpPr/>
+        <p:nvPr/>
+      </p:nvGrpSpPr>
+      <p:grpSpPr>
+        <a:xfrm>
+          <a:off x="0" y="0"/>
+          <a:ext cx="0" cy="0"/>
+          <a:chOff x="0" y="0"/>
+          <a:chExt cx="0" cy="0"/>
+        </a:xfrm>
+      </p:grpSpPr>
+      <p:sp>
+        <p:nvSpPr>
+          <p:cNvPr id="2" name="Title 1"/>
+          <p:cNvSpPr>
+            <a:spLocks noGrp="1"/>
+          </p:cNvSpPr>
+          <p:nvPr>
+            <p:ph type="title"/>
+          </p:nvPr>
+        </p:nvSpPr>
+        <p:spPr/>
+        <p:txBody>
+          <a:bodyPr/>
+          <a:lstStyle/>
+          <a:p>
+            <a:r>
+              <a:rPr lang="en-US" dirty="0" smtClean="0"/>
+              <a:t>Mechanical energy</a:t>
+            </a:r>
+            <a:endParaRPr lang="en-US" dirty="0"/>
+          </a:p>
+        </p:txBody>
+      </p:sp>
+      <mc:AlternateContent xmlns:mc="http://schemas.openxmlformats.org/markup-compatibility/2006">
+        <mc:Choice xmlns:a14="http://schemas.microsoft.com/office/drawing/2010/main" Requires="a14">
+          <p:sp>
+            <p:nvSpPr>
+              <p:cNvPr id="3" name="Content Placeholder 2"/>
+              <p:cNvSpPr>
+                <a:spLocks noGrp="1"/>
+              </p:cNvSpPr>
+              <p:nvPr>
+                <p:ph idx="1"/>
+              </p:nvPr>
+            </p:nvSpPr>
+            <p:spPr/>
+            <p:txBody>
+              <a:bodyPr/>
+              <a:lstStyle/>
+              <a:p>
+                <a:r>
+                  <a:rPr lang="en-US" dirty="0" smtClean="0"/>
+                  <a:t>Kinetic energy</a:t>
+                </a:r>
+              </a:p>
+              <a:p>
+                <a:r>
+                  <a:rPr lang="en-US" dirty="0" smtClean="0"/>
+                  <a:t>Gravitational potential energy</a:t>
+                </a:r>
+              </a:p>
+              <a:p>
+                <a:r>
+                  <a:rPr lang="en-US" dirty="0" smtClean="0"/>
+                  <a:t>Elastic potential energy</a:t>
+                </a:r>
+              </a:p>
+              <a:p>
+                <a14:m>
+                  <m:oMath xmlns:m="http://schemas.openxmlformats.org/officeDocument/2006/math">
+                    <m:sSub>
+                      <m:sSubPr>
+                        <m:ctrlPr>
+                          <a:rPr lang="en-US" i="1" smtClean="0">
+                            <a:latin typeface="Cambria Math" panose="02040503050406030204" pitchFamily="18" charset="0"/>
+                          </a:rPr>
+                        </m:ctrlPr>
+                      </m:sSubPr>
+                      <m:e>
+                        <m:r>
+                          <a:rPr lang="en-US" b="0" i="1" smtClean="0">
+                            <a:latin typeface="Cambria Math" panose="02040503050406030204" pitchFamily="18" charset="0"/>
+                          </a:rPr>
+                          <m:t>𝐸</m:t>
+                        </m:r>
+                      </m:e>
+                      <m:sub>
+                        <m:r>
+                          <a:rPr lang="en-US" b="0" i="1" smtClean="0">
+                            <a:latin typeface="Cambria Math" panose="02040503050406030204" pitchFamily="18" charset="0"/>
+                          </a:rPr>
+                          <m:t>𝑇𝑀</m:t>
+                        </m:r>
+                      </m:sub>
+                    </m:sSub>
+                    <m:r>
+                      <a:rPr lang="en-US" b="0" i="1" smtClean="0">
+                        <a:latin typeface="Cambria Math" panose="02040503050406030204" pitchFamily="18" charset="0"/>
+                      </a:rPr>
+                      <m:t>=</m:t>
+                    </m:r>
+                    <m:sSub>
+                      <m:sSubPr>
+                        <m:ctrlPr>
+                          <a:rPr lang="en-US" b="0" i="1" smtClean="0">
+                            <a:latin typeface="Cambria Math" panose="02040503050406030204" pitchFamily="18" charset="0"/>
+                          </a:rPr>
+                        </m:ctrlPr>
+                      </m:sSubPr>
+                      <m:e>
+                        <m:r>
+                          <a:rPr lang="en-US" b="0" i="1" smtClean="0">
+                            <a:latin typeface="Cambria Math" panose="02040503050406030204" pitchFamily="18" charset="0"/>
+                          </a:rPr>
+                          <m:t>𝐸</m:t>
+                        </m:r>
+                      </m:e>
+                      <m:sub>
+                        <m:r>
+                          <a:rPr lang="en-US" b="0" i="1" smtClean="0">
+                            <a:latin typeface="Cambria Math" panose="02040503050406030204" pitchFamily="18" charset="0"/>
+                          </a:rPr>
+                          <m:t>𝑘</m:t>
+                        </m:r>
+                      </m:sub>
+                    </m:sSub>
+                    <m:r>
+                      <a:rPr lang="en-US" b="0" i="1" smtClean="0">
+                        <a:latin typeface="Cambria Math" panose="02040503050406030204" pitchFamily="18" charset="0"/>
+                      </a:rPr>
+                      <m:t>+</m:t>
+                    </m:r>
+                    <m:sSub>
+                      <m:sSubPr>
+                        <m:ctrlPr>
+                          <a:rPr lang="en-US" b="0" i="1" smtClean="0">
+                            <a:latin typeface="Cambria Math" panose="02040503050406030204" pitchFamily="18" charset="0"/>
+                          </a:rPr>
+                        </m:ctrlPr>
+                      </m:sSubPr>
+                      <m:e>
+                        <m:r>
+                          <a:rPr lang="en-US" b="0" i="1" smtClean="0">
+                            <a:latin typeface="Cambria Math" panose="02040503050406030204" pitchFamily="18" charset="0"/>
+                          </a:rPr>
+                          <m:t>𝐸</m:t>
+                        </m:r>
+                      </m:e>
+                      <m:sub>
+                        <m:r>
+                          <a:rPr lang="en-US" b="0" i="1" smtClean="0">
+                            <a:latin typeface="Cambria Math" panose="02040503050406030204" pitchFamily="18" charset="0"/>
+                          </a:rPr>
+                          <m:t>𝑝</m:t>
+                        </m:r>
+                      </m:sub>
+                    </m:sSub>
+                  </m:oMath>
+                </a14:m>
+                <a:endParaRPr lang="en-US" dirty="0" smtClean="0"/>
+              </a:p>
+              <a:p>
+                <a14:m>
+                  <m:oMath xmlns:m="http://schemas.openxmlformats.org/officeDocument/2006/math">
+                    <m:sSub>
+                      <m:sSubPr>
+                        <m:ctrlPr>
+                          <a:rPr lang="en-US" i="1" smtClean="0">
+                            <a:latin typeface="Cambria Math" panose="02040503050406030204" pitchFamily="18" charset="0"/>
+                          </a:rPr>
+                        </m:ctrlPr>
+                      </m:sSubPr>
+                      <m:e>
+                        <m:r>
+                          <a:rPr lang="en-US" b="0" i="1" smtClean="0">
+                            <a:latin typeface="Cambria Math" panose="02040503050406030204" pitchFamily="18" charset="0"/>
+                          </a:rPr>
+                          <m:t>𝐸</m:t>
+                        </m:r>
+                      </m:e>
+                      <m:sub>
+                        <m:r>
+                          <a:rPr lang="en-US" b="0" i="1" smtClean="0">
+                            <a:latin typeface="Cambria Math" panose="02040503050406030204" pitchFamily="18" charset="0"/>
+                          </a:rPr>
+                          <m:t>𝑇𝑀</m:t>
+                        </m:r>
+                      </m:sub>
+                    </m:sSub>
+                    <m:r>
+                      <a:rPr lang="en-US" b="0" i="1" smtClean="0">
+                        <a:latin typeface="Cambria Math" panose="02040503050406030204" pitchFamily="18" charset="0"/>
+                      </a:rPr>
+                      <m:t>=</m:t>
+                    </m:r>
+                    <m:sSub>
+                      <m:sSubPr>
+                        <m:ctrlPr>
+                          <a:rPr lang="en-US" b="0" i="1" smtClean="0">
+                            <a:latin typeface="Cambria Math" panose="02040503050406030204" pitchFamily="18" charset="0"/>
+                          </a:rPr>
+                        </m:ctrlPr>
+                      </m:sSubPr>
+                      <m:e>
+                        <m:r>
+                          <a:rPr lang="en-US" b="0" i="1" smtClean="0">
+                            <a:latin typeface="Cambria Math" panose="02040503050406030204" pitchFamily="18" charset="0"/>
+                          </a:rPr>
+                          <m:t>𝐸</m:t>
+                        </m:r>
+                      </m:e>
+                      <m:sub>
+                        <m:r>
+                          <a:rPr lang="en-US" b="0" i="1" smtClean="0">
+                            <a:latin typeface="Cambria Math" panose="02040503050406030204" pitchFamily="18" charset="0"/>
+                          </a:rPr>
+                          <m:t>𝑘</m:t>
+                        </m:r>
+                      </m:sub>
+                    </m:sSub>
+                    <m:r>
+                      <a:rPr lang="en-US" b="0" i="1" smtClean="0">
+                        <a:latin typeface="Cambria Math" panose="02040503050406030204" pitchFamily="18" charset="0"/>
+                      </a:rPr>
+                      <m:t>+</m:t>
+                    </m:r>
+                    <m:sSub>
+                      <m:sSubPr>
+                        <m:ctrlPr>
+                          <a:rPr lang="en-US" b="0" i="1" smtClean="0">
+                            <a:latin typeface="Cambria Math" panose="02040503050406030204" pitchFamily="18" charset="0"/>
+                          </a:rPr>
+                        </m:ctrlPr>
+                      </m:sSubPr>
+                      <m:e>
+                        <m:r>
+                          <a:rPr lang="en-US" b="0" i="1" smtClean="0">
+                            <a:latin typeface="Cambria Math" panose="02040503050406030204" pitchFamily="18" charset="0"/>
+                          </a:rPr>
+                          <m:t>𝐸</m:t>
+                        </m:r>
+                      </m:e>
+                      <m:sub>
+                        <m:r>
+                          <a:rPr lang="en-US" b="0" i="1" smtClean="0">
+                            <a:latin typeface="Cambria Math" panose="02040503050406030204" pitchFamily="18" charset="0"/>
+                          </a:rPr>
+                          <m:t>𝑔𝑝</m:t>
+                        </m:r>
+                      </m:sub>
+                    </m:sSub>
+                    <m:r>
+                      <a:rPr lang="en-US" b="0" i="1" smtClean="0">
+                        <a:latin typeface="Cambria Math" panose="02040503050406030204" pitchFamily="18" charset="0"/>
+                      </a:rPr>
+                      <m:t>+</m:t>
+                    </m:r>
+                    <m:sSub>
+                      <m:sSubPr>
+                        <m:ctrlPr>
+                          <a:rPr lang="en-US" b="0" i="1" smtClean="0">
+                            <a:latin typeface="Cambria Math" panose="02040503050406030204" pitchFamily="18" charset="0"/>
+                          </a:rPr>
+                        </m:ctrlPr>
+                      </m:sSubPr>
+                      <m:e>
+                        <m:r>
+                          <a:rPr lang="en-US" b="0" i="1" smtClean="0">
+                            <a:latin typeface="Cambria Math" panose="02040503050406030204" pitchFamily="18" charset="0"/>
+                          </a:rPr>
+                          <m:t>𝐸</m:t>
+                        </m:r>
+                      </m:e>
+                      <m:sub>
+                        <m:r>
+                          <a:rPr lang="en-US" b="0" i="1" smtClean="0">
+                            <a:latin typeface="Cambria Math" panose="02040503050406030204" pitchFamily="18" charset="0"/>
+                          </a:rPr>
+                          <m:t>𝑒𝑝</m:t>
+                        </m:r>
+                      </m:sub>
+                    </m:sSub>
+                  </m:oMath>
+                </a14:m>
+                <a:endParaRPr lang="en-US" dirty="0"/>
+              </a:p>
+            </p:txBody>
+          </p:sp>
+        </mc:Choice>
+        <mc:Fallback>
+          <p:sp>
+            <p:nvSpPr>
+              <p:cNvPr id="3" name="Content Placeholder 2"/>
+              <p:cNvSpPr>
+                <a:spLocks noGrp="1" noRot="1" noChangeAspect="1" noMove="1" noResize="1" noEditPoints="1" noAdjustHandles="1" noChangeArrowheads="1" noChangeShapeType="1" noTextEdit="1"/>
+              </p:cNvSpPr>
+              <p:nvPr>
+                <p:ph idx="1"/>
+              </p:nvPr>
+            </p:nvSpPr>
+            <p:spPr>
+              <a:blipFill>
+                <a:blip r:embed="rId2"/>
+                <a:stretch>
+                  <a:fillRect l="-1043" t="-2241"/>
+                </a:stretch>
+              </a:blipFill>
+            </p:spPr>
+            <p:txBody>
+              <a:bodyPr/>
+              <a:lstStyle/>
+              <a:p>
+                <a:r>
+                  <a:rPr lang="en-US">
+                    <a:noFill/>
+                  </a:rPr>
+                  <a:t> </a:t>
+                </a:r>
+              </a:p>
+            </p:txBody>
+          </p:sp>
+        </mc:Fallback>
+      </mc:AlternateContent>
+    </p:spTree>
+    <p:extLst>
+      <p:ext uri="{BB962C8B-B14F-4D97-AF65-F5344CB8AC3E}">
+        <p14:creationId xmlns:p14="http://schemas.microsoft.com/office/powerpoint/2010/main" val="3836727993"/>
+      </p:ext>
+    </p:extLst>
+  </p:cSld>
+  <p:clrMapOvr>
+    <a:masterClrMapping/>
+  </p:clrMapOvr>
+  <p:timing>
+    <p:tnLst>
+      <p:par>
+        <p:cTn id="1" dur="indefinite" restart="never" nodeType="tmRoot">
+          <p:childTnLst>
+            <p:seq concurrent="1" nextAc="seek">
+              <p:cTn id="2" dur="indefinite" nodeType="mainSeq">
+                <p:childTnLst>
+                  <p:par>
+                    <p:cTn id="3" fill="hold">
+                      <p:stCondLst>
+                        <p:cond delay="indefinite"/>
+                      </p:stCondLst>
+                      <p:childTnLst>
+                        <p:par>
+                          <p:cTn id="4" fill="hold">
+                            <p:stCondLst>
+                              <p:cond delay="0"/>
+                            </p:stCondLst>
+                            <p:childTnLst>
+                              <p:par>
+                                <p:cTn id="5" presetID="42" presetClass="entr" presetSubtype="0" fill="hold" nodeType="clickEffect">
+                                  <p:stCondLst>
+                                    <p:cond delay="0"/>
+                                  </p:stCondLst>
+                                  <p:childTnLst>
+                                    <p:set>
+                                      <p:cBhvr>
+                                        <p:cTn id="6" dur="1" fill="hold">
+                                          <p:stCondLst>
+                                            <p:cond delay="0"/>
+                                          </p:stCondLst>
+                                        </p:cTn>
+                                        <p:tgtEl>
+                                          <p:spTgt spid="3">
+                                            <p:txEl>
+                                              <p:pRg st="0" end="0"/>
+                                            </p:txEl>
+                                          </p:spTgt>
+                                        </p:tgtEl>
+                                        <p:attrNameLst>
+                                          <p:attrName>style.visibility</p:attrName>
+                                        </p:attrNameLst>
+                                      </p:cBhvr>
+                                      <p:to>
+                                        <p:strVal val="visible"/>
+                                      </p:to>
+                                    </p:set>
+                                    <p:animEffect transition="in" filter="fade">
+                                      <p:cBhvr>
+                                        <p:cTn id="7" dur="1000"/>
+                                        <p:tgtEl>
+                                          <p:spTgt spid="3">
+                                            <p:txEl>
+                                              <p:pRg st="0" end="0"/>
+                                            </p:txEl>
+                                          </p:spTgt>
+                                        </p:tgtEl>
+                                      </p:cBhvr>
+                                    </p:animEffect>
+                                    <p:anim calcmode="lin" valueType="num">
+                                      <p:cBhvr>
+                                        <p:cTn id="8" dur="1000" fill="hold"/>
+                                        <p:tgtEl>
+                                          <p:spTgt spid="3">
+                                            <p:txEl>
+                                              <p:pRg st="0" end="0"/>
+                                            </p:txEl>
+                                          </p:spTgt>
+                                        </p:tgtEl>
+                                        <p:attrNameLst>
+                                          <p:attrName>ppt_x</p:attrName>
+                                        </p:attrNameLst>
+                                      </p:cBhvr>
+                                      <p:tavLst>
+                                        <p:tav tm="0">
+                                          <p:val>
+                                            <p:strVal val="#ppt_x"/>
+                                          </p:val>
+                                        </p:tav>
+                                        <p:tav tm="100000">
+                                          <p:val>
+                                            <p:strVal val="#ppt_x"/>
+                                          </p:val>
+                                        </p:tav>
+                                      </p:tavLst>
+                                    </p:anim>
+                                    <p:anim calcmode="lin" valueType="num">
+                                      <p:cBhvr>
+                                        <p:cTn id="9" dur="1000" fill="hold"/>
+                                        <p:tgtEl>
+                                          <p:spTgt spid="3">
+                                            <p:txEl>
+                                              <p:pRg st="0" end="0"/>
+                                            </p:txEl>
+                                          </p:spTgt>
+                                        </p:tgtEl>
+                                        <p:attrNameLst>
+                                          <p:attrName>ppt_y</p:attrName>
+                                        </p:attrNameLst>
+                                      </p:cBhvr>
+                                      <p:tavLst>
+                                        <p:tav tm="0">
+                                          <p:val>
+                                            <p:strVal val="#ppt_y+.1"/>
+                                          </p:val>
+                                        </p:tav>
+                                        <p:tav tm="100000">
+                                          <p:val>
+                                            <p:strVal val="#ppt_y"/>
+                                          </p:val>
+                                        </p:tav>
+                                      </p:tavLst>
+                                    </p:anim>
+                                  </p:childTnLst>
+                                </p:cTn>
+                              </p:par>
+                            </p:childTnLst>
+                          </p:cTn>
+                        </p:par>
+                      </p:childTnLst>
+                    </p:cTn>
+                  </p:par>
+                  <p:par>
+                    <p:cTn id="10" fill="hold">
+                      <p:stCondLst>
+                        <p:cond delay="indefinite"/>
+                      </p:stCondLst>
+                      <p:childTnLst>
+                        <p:par>
+                          <p:cTn id="11" fill="hold">
+                            <p:stCondLst>
+                              <p:cond delay="0"/>
+                            </p:stCondLst>
+                            <p:childTnLst>
+                              <p:par>
+                                <p:cTn id="12" presetID="42" presetClass="entr" presetSubtype="0" fill="hold" nodeType="clickEffect">
+                                  <p:stCondLst>
+                                    <p:cond delay="0"/>
+                                  </p:stCondLst>
+                                  <p:childTnLst>
+                                    <p:set>
+                                      <p:cBhvr>
+                                        <p:cTn id="13" dur="1" fill="hold">
+                                          <p:stCondLst>
+                                            <p:cond delay="0"/>
+                                          </p:stCondLst>
+                                        </p:cTn>
+                                        <p:tgtEl>
+                                          <p:spTgt spid="3">
+                                            <p:txEl>
+                                              <p:pRg st="1" end="1"/>
+                                            </p:txEl>
+                                          </p:spTgt>
+                                        </p:tgtEl>
+                                        <p:attrNameLst>
+                                          <p:attrName>style.visibility</p:attrName>
+                                        </p:attrNameLst>
+                                      </p:cBhvr>
+                                      <p:to>
+                                        <p:strVal val="visible"/>
+                                      </p:to>
+                                    </p:set>
+                                    <p:animEffect transition="in" filter="fade">
+                                      <p:cBhvr>
+                                        <p:cTn id="14" dur="1000"/>
+                                        <p:tgtEl>
+                                          <p:spTgt spid="3">
+                                            <p:txEl>
+                                              <p:pRg st="1" end="1"/>
+                                            </p:txEl>
+                                          </p:spTgt>
+                                        </p:tgtEl>
+                                      </p:cBhvr>
+                                    </p:animEffect>
+                                    <p:anim calcmode="lin" valueType="num">
+                                      <p:cBhvr>
+                                        <p:cTn id="15" dur="1000" fill="hold"/>
+                                        <p:tgtEl>
+                                          <p:spTgt spid="3">
+                                            <p:txEl>
+                                              <p:pRg st="1" end="1"/>
+                                            </p:txEl>
+                                          </p:spTgt>
+                                        </p:tgtEl>
+                                        <p:attrNameLst>
+                                          <p:attrName>ppt_x</p:attrName>
+                                        </p:attrNameLst>
+                                      </p:cBhvr>
+                                      <p:tavLst>
+                                        <p:tav tm="0">
+                                          <p:val>
+                                            <p:strVal val="#ppt_x"/>
+                                          </p:val>
+                                        </p:tav>
+                                        <p:tav tm="100000">
+                                          <p:val>
+                                            <p:strVal val="#ppt_x"/>
+                                          </p:val>
+                                        </p:tav>
+                                      </p:tavLst>
+                                    </p:anim>
+                                    <p:anim calcmode="lin" valueType="num">
+                                      <p:cBhvr>
+                                        <p:cTn id="16" dur="1000" fill="hold"/>
+                                        <p:tgtEl>
+                                          <p:spTgt spid="3">
+                                            <p:txEl>
+                                              <p:pRg st="1" end="1"/>
+                                            </p:txEl>
+                                          </p:spTgt>
+                                        </p:tgtEl>
+                                        <p:attrNameLst>
+                                          <p:attrName>ppt_y</p:attrName>
+                                        </p:attrNameLst>
+                                      </p:cBhvr>
+                                      <p:tavLst>
+                                        <p:tav tm="0">
+                                          <p:val>
+                                            <p:strVal val="#ppt_y+.1"/>
+                                          </p:val>
+                                        </p:tav>
+                                        <p:tav tm="100000">
+                                          <p:val>
+                                            <p:strVal val="#ppt_y"/>
+                                          </p:val>
+                                        </p:tav>
+                                      </p:tavLst>
+                                    </p:anim>
+                                  </p:childTnLst>
+                                </p:cTn>
+                              </p:par>
+                            </p:childTnLst>
+                          </p:cTn>
+                        </p:par>
+                      </p:childTnLst>
+                    </p:cTn>
+                  </p:par>
+                  <p:par>
+                    <p:cTn id="17" fill="hold">
+                      <p:stCondLst>
+                        <p:cond delay="indefinite"/>
+                      </p:stCondLst>
+                      <p:childTnLst>
+                        <p:par>
+                          <p:cTn id="18" fill="hold">
+                            <p:stCondLst>
+                              <p:cond delay="0"/>
+                            </p:stCondLst>
+                            <p:childTnLst>
+                              <p:par>
+                                <p:cTn id="19" presetID="42" presetClass="entr" presetSubtype="0" fill="hold" nodeType="clickEffect">
+                                  <p:stCondLst>
+                                    <p:cond delay="0"/>
+                                  </p:stCondLst>
+                                  <p:childTnLst>
+                                    <p:set>
+                                      <p:cBhvr>
+                                        <p:cTn id="20" dur="1" fill="hold">
+                                          <p:stCondLst>
+                                            <p:cond delay="0"/>
+                                          </p:stCondLst>
+                                        </p:cTn>
+                                        <p:tgtEl>
+                                          <p:spTgt spid="3">
+                                            <p:txEl>
+                                              <p:pRg st="2" end="2"/>
+                                            </p:txEl>
+                                          </p:spTgt>
+                                        </p:tgtEl>
+                                        <p:attrNameLst>
+                                          <p:attrName>style.visibility</p:attrName>
+                                        </p:attrNameLst>
+                                      </p:cBhvr>
+                                      <p:to>
+                                        <p:strVal val="visible"/>
+                                      </p:to>
+                                    </p:set>
+                                    <p:animEffect transition="in" filter="fade">
+                                      <p:cBhvr>
+                                        <p:cTn id="21" dur="1000"/>
+                                        <p:tgtEl>
+                                          <p:spTgt spid="3">
+                                            <p:txEl>
+                                              <p:pRg st="2" end="2"/>
+                                            </p:txEl>
+                                          </p:spTgt>
+                                        </p:tgtEl>
+                                      </p:cBhvr>
+                                    </p:animEffect>
+                                    <p:anim calcmode="lin" valueType="num">
+                                      <p:cBhvr>
+                                        <p:cTn id="22" dur="1000" fill="hold"/>
+                                        <p:tgtEl>
+                                          <p:spTgt spid="3">
+                                            <p:txEl>
+                                              <p:pRg st="2" end="2"/>
+                                            </p:txEl>
+                                          </p:spTgt>
+                                        </p:tgtEl>
+                                        <p:attrNameLst>
+                                          <p:attrName>ppt_x</p:attrName>
+                                        </p:attrNameLst>
+                                      </p:cBhvr>
+                                      <p:tavLst>
+                                        <p:tav tm="0">
+                                          <p:val>
+                                            <p:strVal val="#ppt_x"/>
+                                          </p:val>
+                                        </p:tav>
+                                        <p:tav tm="100000">
+                                          <p:val>
+                                            <p:strVal val="#ppt_x"/>
+                                          </p:val>
+                                        </p:tav>
+                                      </p:tavLst>
+                                    </p:anim>
+                                    <p:anim calcmode="lin" valueType="num">
+                                      <p:cBhvr>
+                                        <p:cTn id="23" dur="1000" fill="hold"/>
+                                        <p:tgtEl>
+                                          <p:spTgt spid="3">
+                                            <p:txEl>
+                                              <p:pRg st="2" end="2"/>
+                                            </p:txEl>
+                                          </p:spTgt>
+                                        </p:tgtEl>
+                                        <p:attrNameLst>
+                                          <p:attrName>ppt_y</p:attrName>
+                                        </p:attrNameLst>
+                                      </p:cBhvr>
+                                      <p:tavLst>
+                                        <p:tav tm="0">
+                                          <p:val>
+                                            <p:strVal val="#ppt_y+.1"/>
+                                          </p:val>
+                                        </p:tav>
+                                        <p:tav tm="100000">
+                                          <p:val>
+                                            <p:strVal val="#ppt_y"/>
+                                          </p:val>
+                                        </p:tav>
+                                      </p:tavLst>
+                                    </p:anim>
+                                  </p:childTnLst>
+                                </p:cTn>
+                              </p:par>
+                            </p:childTnLst>
+                          </p:cTn>
+                        </p:par>
+                      </p:childTnLst>
+                    </p:cTn>
+                  </p:par>
+                  <p:par>
+                    <p:cTn id="24" fill="hold">
+                      <p:stCondLst>
+                        <p:cond delay="indefinite"/>
+                      </p:stCondLst>
+                      <p:childTnLst>
+                        <p:par>
+                          <p:cTn id="25" fill="hold">
+                            <p:stCondLst>
+                              <p:cond delay="0"/>
+                            </p:stCondLst>
+                            <p:childTnLst>
+                              <p:par>
+                                <p:cTn id="26" presetID="42" presetClass="entr" presetSubtype="0" fill="hold" nodeType="clickEffect">
+                                  <p:stCondLst>
+                                    <p:cond delay="0"/>
+                                  </p:stCondLst>
+                                  <p:childTnLst>
+                                    <p:set>
+                                      <p:cBhvr>
+                                        <p:cTn id="27" dur="1" fill="hold">
+                                          <p:stCondLst>
+                                            <p:cond delay="0"/>
+                                          </p:stCondLst>
+                                        </p:cTn>
+                                        <p:tgtEl>
+                                          <p:spTgt spid="3">
+                                            <p:txEl>
+                                              <p:pRg st="3" end="3"/>
+                                            </p:txEl>
+                                          </p:spTgt>
+                                        </p:tgtEl>
+                                        <p:attrNameLst>
+                                          <p:attrName>style.visibility</p:attrName>
+                                        </p:attrNameLst>
+                                      </p:cBhvr>
+                                      <p:to>
+                                        <p:strVal val="visible"/>
+                                      </p:to>
+                                    </p:set>
+                                    <p:animEffect transition="in" filter="fade">
+                                      <p:cBhvr>
+                                        <p:cTn id="28" dur="1000"/>
+                                        <p:tgtEl>
+                                          <p:spTgt spid="3">
+                                            <p:txEl>
+                                              <p:pRg st="3" end="3"/>
+                                            </p:txEl>
+                                          </p:spTgt>
+                                        </p:tgtEl>
+                                      </p:cBhvr>
+                                    </p:animEffect>
+                                    <p:anim calcmode="lin" valueType="num">
+                                      <p:cBhvr>
+                                        <p:cTn id="29" dur="1000" fill="hold"/>
+                                        <p:tgtEl>
+                                          <p:spTgt spid="3">
+                                            <p:txEl>
+                                              <p:pRg st="3" end="3"/>
+                                            </p:txEl>
+                                          </p:spTgt>
+                                        </p:tgtEl>
+                                        <p:attrNameLst>
+                                          <p:attrName>ppt_x</p:attrName>
+                                        </p:attrNameLst>
+                                      </p:cBhvr>
+                                      <p:tavLst>
+                                        <p:tav tm="0">
+                                          <p:val>
+                                            <p:strVal val="#ppt_x"/>
+                                          </p:val>
+                                        </p:tav>
+                                        <p:tav tm="100000">
+                                          <p:val>
+                                            <p:strVal val="#ppt_x"/>
+                                          </p:val>
+                                        </p:tav>
+                                      </p:tavLst>
+                                    </p:anim>
+                                    <p:anim calcmode="lin" valueType="num">
+                                      <p:cBhvr>
+                                        <p:cTn id="30" dur="1000" fill="hold"/>
+                                        <p:tgtEl>
+                                          <p:spTgt spid="3">
+                                            <p:txEl>
+                                              <p:pRg st="3" end="3"/>
+                                            </p:txEl>
+                                          </p:spTgt>
+                                        </p:tgtEl>
+                                        <p:attrNameLst>
+                                          <p:attrName>ppt_y</p:attrName>
+                                        </p:attrNameLst>
+                                      </p:cBhvr>
+                                      <p:tavLst>
+                                        <p:tav tm="0">
+                                          <p:val>
+                                            <p:strVal val="#ppt_y+.1"/>
+                                          </p:val>
+                                        </p:tav>
+                                        <p:tav tm="100000">
+                                          <p:val>
+                                            <p:strVal val="#ppt_y"/>
+                                          </p:val>
+                                        </p:tav>
+                                      </p:tavLst>
+                                    </p:anim>
+                                  </p:childTnLst>
+                                </p:cTn>
+                              </p:par>
+                            </p:childTnLst>
+                          </p:cTn>
+                        </p:par>
+                      </p:childTnLst>
+                    </p:cTn>
+                  </p:par>
+                  <p:par>
+                    <p:cTn id="31" fill="hold">
+                      <p:stCondLst>
+                        <p:cond delay="indefinite"/>
+                      </p:stCondLst>
+                      <p:childTnLst>
+                        <p:par>
+                          <p:cTn id="32" fill="hold">
+                            <p:stCondLst>
+                              <p:cond delay="0"/>
+                            </p:stCondLst>
+                            <p:childTnLst>
+                              <p:par>
+                                <p:cTn id="33" presetID="42" presetClass="entr" presetSubtype="0" fill="hold" nodeType="clickEffect">
+                                  <p:stCondLst>
+                                    <p:cond delay="0"/>
+                                  </p:stCondLst>
+                                  <p:childTnLst>
+                                    <p:set>
+                                      <p:cBhvr>
+                                        <p:cTn id="34" dur="1" fill="hold">
+                                          <p:stCondLst>
+                                            <p:cond delay="0"/>
+                                          </p:stCondLst>
+                                        </p:cTn>
+                                        <p:tgtEl>
+                                          <p:spTgt spid="3">
+                                            <p:txEl>
+                                              <p:pRg st="4" end="4"/>
+                                            </p:txEl>
+                                          </p:spTgt>
+                                        </p:tgtEl>
+                                        <p:attrNameLst>
+                                          <p:attrName>style.visibility</p:attrName>
+                                        </p:attrNameLst>
+                                      </p:cBhvr>
+                                      <p:to>
+                                        <p:strVal val="visible"/>
+                                      </p:to>
+                                    </p:set>
+                                    <p:animEffect transition="in" filter="fade">
+                                      <p:cBhvr>
+                                        <p:cTn id="35" dur="1000"/>
+                                        <p:tgtEl>
+                                          <p:spTgt spid="3">
+                                            <p:txEl>
+                                              <p:pRg st="4" end="4"/>
+                                            </p:txEl>
+                                          </p:spTgt>
+                                        </p:tgtEl>
+                                      </p:cBhvr>
+                                    </p:animEffect>
+                                    <p:anim calcmode="lin" valueType="num">
+                                      <p:cBhvr>
+                                        <p:cTn id="36" dur="1000" fill="hold"/>
+                                        <p:tgtEl>
+                                          <p:spTgt spid="3">
+                                            <p:txEl>
+                                              <p:pRg st="4" end="4"/>
+                                            </p:txEl>
+                                          </p:spTgt>
+                                        </p:tgtEl>
+                                        <p:attrNameLst>
+                                          <p:attrName>ppt_x</p:attrName>
+                                        </p:attrNameLst>
+                                      </p:cBhvr>
+                                      <p:tavLst>
+                                        <p:tav tm="0">
+                                          <p:val>
+                                            <p:strVal val="#ppt_x"/>
+                                          </p:val>
+                                        </p:tav>
+                                        <p:tav tm="100000">
+                                          <p:val>
+                                            <p:strVal val="#ppt_x"/>
+                                          </p:val>
+                                        </p:tav>
+                                      </p:tavLst>
+                                    </p:anim>
+                                    <p:anim calcmode="lin" valueType="num">
+                                      <p:cBhvr>
+                                        <p:cTn id="37" dur="1000" fill="hold"/>
+                                        <p:tgtEl>
+                                          <p:spTgt spid="3">
+                                            <p:txEl>
+                                              <p:pRg st="4" end="4"/>
+                                            </p:txEl>
+                                          </p:spTgt>
+                                        </p:tgtEl>
+                                        <p:attrNameLst>
+                                          <p:attrName>ppt_y</p:attrName>
+                                        </p:attrNameLst>
+                                      </p:cBhvr>
+                                      <p:tavLst>
+                                        <p:tav tm="0">
+                                          <p:val>
+                                            <p:strVal val="#ppt_y+.1"/>
+                                          </p:val>
+                                        </p:tav>
+                                        <p:tav tm="100000">
+                                          <p:val>
+                                            <p:strVal val="#ppt_y"/>
+                                          </p:val>
+                                        </p:tav>
+                                      </p:tavLst>
+                                    </p:anim>
+                                  </p:childTnLst>
+                                </p:cTn>
+                              </p:par>
+                            </p:childTnLst>
+                          </p:cTn>
+                        </p:par>
+                      </p:childTnLst>
+                    </p:cTn>
+                  </p:par>
+                </p:childTnLst>
+              </p:cTn>
+              <p:prevCondLst>
+                <p:cond evt="onPrev" delay="0">
+                  <p:tgtEl>
+                    <p:sldTgt/>
+                  </p:tgtEl>
+                </p:cond>
+              </p:prevCondLst>
+              <p:nextCondLst>
+                <p:cond evt="onNext" delay="0">
+                  <p:tgtEl>
+                    <p:sldTgt/>
+                  </p:tgtEl>
+                </p:cond>
+              </p:nextCondLst>
+            </p:seq>
+          </p:childTnLst>
+        </p:cTn>
+      </p:par>
+    </p:tnLst>
+  </p:timing>
+</p:sld>
+</file>
+
+<file path=ppt/slides/slide19.xml><?xml version="1.0" encoding="utf-8"?>
+<p:sld xmlns:a="http://schemas.openxmlformats.org/drawingml/2006/main" xmlns:r="http://schemas.openxmlformats.org/officeDocument/2006/relationships" xmlns:p="http://schemas.openxmlformats.org/presentationml/2006/main">
+  <p:cSld>
+    <p:spTree>
+      <p:nvGrpSpPr>
+        <p:cNvPr id="1" name=""/>
+        <p:cNvGrpSpPr/>
+        <p:nvPr/>
+      </p:nvGrpSpPr>
+      <p:grpSpPr>
+        <a:xfrm>
+          <a:off x="0" y="0"/>
+          <a:ext cx="0" cy="0"/>
+          <a:chOff x="0" y="0"/>
+          <a:chExt cx="0" cy="0"/>
+        </a:xfrm>
+      </p:grpSpPr>
+      <p:sp>
+        <p:nvSpPr>
+          <p:cNvPr id="2" name="Title 1"/>
+          <p:cNvSpPr>
+            <a:spLocks noGrp="1"/>
+          </p:cNvSpPr>
+          <p:nvPr>
+            <p:ph type="title"/>
+          </p:nvPr>
+        </p:nvSpPr>
+        <p:spPr/>
+        <p:txBody>
+          <a:bodyPr/>
+          <a:lstStyle/>
+          <a:p>
+            <a:r>
+              <a:rPr lang="en-US" dirty="0" smtClean="0"/>
+              <a:t>Law of Conservation of Mechanical </a:t>
+            </a:r>
+            <a:r>
+              <a:rPr lang="en-US" dirty="0"/>
+              <a:t>E</a:t>
+            </a:r>
+            <a:r>
+              <a:rPr lang="en-US" dirty="0" smtClean="0"/>
+              <a:t>nergy</a:t>
+            </a:r>
+            <a:endParaRPr lang="en-US" dirty="0"/>
+          </a:p>
+        </p:txBody>
+      </p:sp>
+      <p:sp>
+        <p:nvSpPr>
+          <p:cNvPr id="3" name="Content Placeholder 2"/>
+          <p:cNvSpPr>
+            <a:spLocks noGrp="1"/>
+          </p:cNvSpPr>
+          <p:nvPr>
+            <p:ph idx="1"/>
+          </p:nvPr>
+        </p:nvSpPr>
+        <p:spPr/>
+        <p:txBody>
+          <a:bodyPr/>
+          <a:lstStyle/>
+          <a:p>
+            <a:r>
+              <a:rPr lang="en-US" dirty="0" smtClean="0"/>
+              <a:t>The total amount of mechanical energy in a closed system in the absence of dissipative forces (friction, air resistance) remains constant</a:t>
+            </a:r>
+            <a:endParaRPr lang="en-US" dirty="0"/>
+          </a:p>
+        </p:txBody>
+      </p:sp>
+    </p:spTree>
+    <p:extLst>
+      <p:ext uri="{BB962C8B-B14F-4D97-AF65-F5344CB8AC3E}">
+        <p14:creationId xmlns:p14="http://schemas.microsoft.com/office/powerpoint/2010/main" val="3026294505"/>
+      </p:ext>
+    </p:extLst>
+  </p:cSld>
+  <p:clrMapOvr>
+    <a:masterClrMapping/>
+  </p:clrMapOvr>
+  <p:timing>
+    <p:tnLst>
+      <p:par>
+        <p:cTn id="1" dur="indefinite" restart="never" nodeType="tmRoot"/>
       </p:par>
     </p:tnLst>
   </p:timing>
